--- a/DIA01/Práticas DevOps com Docker e Monitoramento do Ambiente Dia 01.pptx
+++ b/DIA01/Práticas DevOps com Docker e Monitoramento do Ambiente Dia 01.pptx
@@ -5,30 +5,25 @@
     <p:sldMasterId id="2147483648" r:id="rId1"/>
   </p:sldMasterIdLst>
   <p:notesMasterIdLst>
-    <p:notesMasterId r:id="rId23"/>
+    <p:notesMasterId r:id="rId18"/>
   </p:notesMasterIdLst>
   <p:sldIdLst>
     <p:sldId id="256" r:id="rId2"/>
     <p:sldId id="257" r:id="rId3"/>
-    <p:sldId id="258" r:id="rId4"/>
-    <p:sldId id="259" r:id="rId5"/>
-    <p:sldId id="260" r:id="rId6"/>
-    <p:sldId id="261" r:id="rId7"/>
-    <p:sldId id="262" r:id="rId8"/>
-    <p:sldId id="263" r:id="rId9"/>
-    <p:sldId id="264" r:id="rId10"/>
-    <p:sldId id="265" r:id="rId11"/>
-    <p:sldId id="266" r:id="rId12"/>
-    <p:sldId id="267" r:id="rId13"/>
-    <p:sldId id="268" r:id="rId14"/>
-    <p:sldId id="269" r:id="rId15"/>
-    <p:sldId id="270" r:id="rId16"/>
-    <p:sldId id="271" r:id="rId17"/>
-    <p:sldId id="272" r:id="rId18"/>
-    <p:sldId id="273" r:id="rId19"/>
-    <p:sldId id="274" r:id="rId20"/>
-    <p:sldId id="275" r:id="rId21"/>
-    <p:sldId id="276" r:id="rId22"/>
+    <p:sldId id="259" r:id="rId4"/>
+    <p:sldId id="260" r:id="rId5"/>
+    <p:sldId id="261" r:id="rId6"/>
+    <p:sldId id="262" r:id="rId7"/>
+    <p:sldId id="263" r:id="rId8"/>
+    <p:sldId id="264" r:id="rId9"/>
+    <p:sldId id="265" r:id="rId10"/>
+    <p:sldId id="266" r:id="rId11"/>
+    <p:sldId id="267" r:id="rId12"/>
+    <p:sldId id="268" r:id="rId13"/>
+    <p:sldId id="269" r:id="rId14"/>
+    <p:sldId id="270" r:id="rId15"/>
+    <p:sldId id="271" r:id="rId16"/>
+    <p:sldId id="274" r:id="rId17"/>
   </p:sldIdLst>
   <p:sldSz cx="9144000" cy="5143500" type="screen16x9"/>
   <p:notesSz cx="6858000" cy="9144000"/>
@@ -277,7 +272,7 @@
       </p15:sldGuideLst>
     </p:ext>
     <p:ext uri="http://customooxmlschemas.google.com/">
-      <go:slidesCustomData xmlns:go="http://customooxmlschemas.google.com/" xmlns:ahyp="http://schemas.microsoft.com/office/drawing/2018/hyperlinkcolor" xmlns:p15="http://schemas.microsoft.com/office/powerpoint/2012/main" xmlns:p14="http://schemas.microsoft.com/office/powerpoint/2010/main" xmlns:com="http://schemas.openxmlformats.org/drawingml/2006/compatibility" xmlns:pvml="urn:schemas-microsoft-com:office:powerpoint" xmlns:v="urn:schemas-microsoft-com:vml" xmlns:o="urn:schemas-microsoft-com:office:office" xmlns:dgm="http://schemas.openxmlformats.org/drawingml/2006/diagram" xmlns:c="http://schemas.openxmlformats.org/drawingml/2006/chart" xmlns:mv="urn:schemas-microsoft-com:mac:vml" xmlns:mc="http://schemas.openxmlformats.org/markup-compatibility/2006" xmlns="" r:id="rId27" roundtripDataSignature="AMtx7mhFcJmO2TA0Gq984tEL8sLQPsuyAw=="/>
+      <go:slidesCustomData xmlns="" xmlns:mc="http://schemas.openxmlformats.org/markup-compatibility/2006" xmlns:mv="urn:schemas-microsoft-com:mac:vml" xmlns:c="http://schemas.openxmlformats.org/drawingml/2006/chart" xmlns:dgm="http://schemas.openxmlformats.org/drawingml/2006/diagram" xmlns:o="urn:schemas-microsoft-com:office:office" xmlns:v="urn:schemas-microsoft-com:vml" xmlns:pvml="urn:schemas-microsoft-com:office:powerpoint" xmlns:com="http://schemas.openxmlformats.org/drawingml/2006/compatibility" xmlns:p14="http://schemas.microsoft.com/office/powerpoint/2010/main" xmlns:p15="http://schemas.microsoft.com/office/powerpoint/2012/main" xmlns:ahyp="http://schemas.microsoft.com/office/drawing/2018/hyperlinkcolor" xmlns:go="http://customooxmlschemas.google.com/" r:id="rId27" roundtripDataSignature="AMtx7mhFcJmO2TA0Gq984tEL8sLQPsuyAw=="/>
     </p:ext>
   </p:extLst>
 </p:presentation>
@@ -888,8 +883,8 @@
         </p:nvSpPr>
         <p:spPr>
           <a:xfrm>
-            <a:off x="381300" y="685800"/>
-            <a:ext cx="6096075" cy="3429000"/>
+            <a:off x="381000" y="685800"/>
+            <a:ext cx="6096000" cy="3429000"/>
           </a:xfrm>
           <a:custGeom>
             <a:avLst/>
@@ -982,128 +977,6 @@
 </file>
 
 <file path=ppt/notesSlides/notesSlide10.xml><?xml version="1.0" encoding="utf-8"?>
-<p:notes xmlns:a="http://schemas.openxmlformats.org/drawingml/2006/main" xmlns:r="http://schemas.openxmlformats.org/officeDocument/2006/relationships" xmlns:p="http://schemas.openxmlformats.org/presentationml/2006/main" showMasterSp="0" showMasterPhAnim="0">
-  <p:cSld>
-    <p:spTree>
-      <p:nvGrpSpPr>
-        <p:cNvPr id="1" name="Shape 104"/>
-        <p:cNvGrpSpPr/>
-        <p:nvPr/>
-      </p:nvGrpSpPr>
-      <p:grpSpPr>
-        <a:xfrm>
-          <a:off x="0" y="0"/>
-          <a:ext cx="0" cy="0"/>
-          <a:chOff x="0" y="0"/>
-          <a:chExt cx="0" cy="0"/>
-        </a:xfrm>
-      </p:grpSpPr>
-      <p:sp>
-        <p:nvSpPr>
-          <p:cNvPr id="105" name="Google Shape;105;p10:notes"/>
-          <p:cNvSpPr>
-            <a:spLocks noGrp="1" noRot="1" noChangeAspect="1"/>
-          </p:cNvSpPr>
-          <p:nvPr>
-            <p:ph type="sldImg" idx="2"/>
-          </p:nvPr>
-        </p:nvSpPr>
-        <p:spPr>
-          <a:xfrm>
-            <a:off x="381300" y="685800"/>
-            <a:ext cx="6096000" cy="3429000"/>
-          </a:xfrm>
-          <a:custGeom>
-            <a:avLst/>
-            <a:gdLst/>
-            <a:ahLst/>
-            <a:cxnLst/>
-            <a:rect l="l" t="t" r="r" b="b"/>
-            <a:pathLst>
-              <a:path w="120000" h="120000" extrusionOk="0">
-                <a:moveTo>
-                  <a:pt x="0" y="0"/>
-                </a:moveTo>
-                <a:lnTo>
-                  <a:pt x="120000" y="0"/>
-                </a:lnTo>
-                <a:lnTo>
-                  <a:pt x="120000" y="120000"/>
-                </a:lnTo>
-                <a:lnTo>
-                  <a:pt x="0" y="120000"/>
-                </a:lnTo>
-                <a:close/>
-              </a:path>
-            </a:pathLst>
-          </a:custGeom>
-          <a:noFill/>
-          <a:ln w="9525" cap="flat" cmpd="sng">
-            <a:solidFill>
-              <a:srgbClr val="000000"/>
-            </a:solidFill>
-            <a:prstDash val="solid"/>
-            <a:round/>
-            <a:headEnd type="none" w="sm" len="sm"/>
-            <a:tailEnd type="none" w="sm" len="sm"/>
-          </a:ln>
-        </p:spPr>
-      </p:sp>
-      <p:sp>
-        <p:nvSpPr>
-          <p:cNvPr id="106" name="Google Shape;106;p10:notes"/>
-          <p:cNvSpPr txBox="1">
-            <a:spLocks noGrp="1"/>
-          </p:cNvSpPr>
-          <p:nvPr>
-            <p:ph type="body" idx="1"/>
-          </p:nvPr>
-        </p:nvSpPr>
-        <p:spPr>
-          <a:xfrm>
-            <a:off x="685800" y="4343400"/>
-            <a:ext cx="5486400" cy="4114800"/>
-          </a:xfrm>
-          <a:prstGeom prst="rect">
-            <a:avLst/>
-          </a:prstGeom>
-          <a:noFill/>
-          <a:ln>
-            <a:noFill/>
-          </a:ln>
-        </p:spPr>
-        <p:txBody>
-          <a:bodyPr spcFirstLastPara="1" wrap="square" lIns="91425" tIns="91425" rIns="91425" bIns="91425" anchor="t" anchorCtr="0">
-            <a:noAutofit/>
-          </a:bodyPr>
-          <a:lstStyle/>
-          <a:p>
-            <a:pPr marL="0" lvl="0" indent="0" algn="l" rtl="0">
-              <a:lnSpc>
-                <a:spcPct val="100000"/>
-              </a:lnSpc>
-              <a:spcBef>
-                <a:spcPts val="0"/>
-              </a:spcBef>
-              <a:spcAft>
-                <a:spcPts val="0"/>
-              </a:spcAft>
-              <a:buSzPts val="1100"/>
-              <a:buNone/>
-            </a:pPr>
-            <a:endParaRPr/>
-          </a:p>
-        </p:txBody>
-      </p:sp>
-    </p:spTree>
-  </p:cSld>
-  <p:clrMapOvr>
-    <a:masterClrMapping/>
-  </p:clrMapOvr>
-</p:notes>
-</file>
-
-<file path=ppt/notesSlides/notesSlide11.xml><?xml version="1.0" encoding="utf-8"?>
 <p:notes xmlns:a="http://schemas.openxmlformats.org/drawingml/2006/main" xmlns:r="http://schemas.openxmlformats.org/officeDocument/2006/relationships" xmlns:p="http://schemas.openxmlformats.org/presentationml/2006/main" showMasterSp="0" showMasterPhAnim="0">
   <p:cSld>
     <p:spTree>
@@ -1225,7 +1098,7 @@
 </p:notes>
 </file>
 
-<file path=ppt/notesSlides/notesSlide12.xml><?xml version="1.0" encoding="utf-8"?>
+<file path=ppt/notesSlides/notesSlide11.xml><?xml version="1.0" encoding="utf-8"?>
 <p:notes xmlns:a="http://schemas.openxmlformats.org/drawingml/2006/main" xmlns:r="http://schemas.openxmlformats.org/officeDocument/2006/relationships" xmlns:p="http://schemas.openxmlformats.org/presentationml/2006/main" showMasterSp="0" showMasterPhAnim="0">
   <p:cSld>
     <p:spTree>
@@ -1254,7 +1127,7 @@
         </p:nvSpPr>
         <p:spPr>
           <a:xfrm>
-            <a:off x="381300" y="685800"/>
+            <a:off x="381000" y="685800"/>
             <a:ext cx="6096000" cy="3429000"/>
           </a:xfrm>
           <a:custGeom>
@@ -1347,7 +1220,7 @@
 </p:notes>
 </file>
 
-<file path=ppt/notesSlides/notesSlide13.xml><?xml version="1.0" encoding="utf-8"?>
+<file path=ppt/notesSlides/notesSlide12.xml><?xml version="1.0" encoding="utf-8"?>
 <p:notes xmlns:a="http://schemas.openxmlformats.org/drawingml/2006/main" xmlns:r="http://schemas.openxmlformats.org/officeDocument/2006/relationships" xmlns:p="http://schemas.openxmlformats.org/presentationml/2006/main" showMasterSp="0" showMasterPhAnim="0">
   <p:cSld>
     <p:spTree>
@@ -1376,7 +1249,7 @@
         </p:nvSpPr>
         <p:spPr>
           <a:xfrm>
-            <a:off x="381300" y="685800"/>
+            <a:off x="381000" y="685800"/>
             <a:ext cx="6096000" cy="3429000"/>
           </a:xfrm>
           <a:custGeom>
@@ -1469,7 +1342,7 @@
 </p:notes>
 </file>
 
-<file path=ppt/notesSlides/notesSlide14.xml><?xml version="1.0" encoding="utf-8"?>
+<file path=ppt/notesSlides/notesSlide13.xml><?xml version="1.0" encoding="utf-8"?>
 <p:notes xmlns:a="http://schemas.openxmlformats.org/drawingml/2006/main" xmlns:r="http://schemas.openxmlformats.org/officeDocument/2006/relationships" xmlns:p="http://schemas.openxmlformats.org/presentationml/2006/main" showMasterSp="0" showMasterPhAnim="0">
   <p:cSld>
     <p:spTree>
@@ -1591,7 +1464,7 @@
 </p:notes>
 </file>
 
-<file path=ppt/notesSlides/notesSlide15.xml><?xml version="1.0" encoding="utf-8"?>
+<file path=ppt/notesSlides/notesSlide14.xml><?xml version="1.0" encoding="utf-8"?>
 <p:notes xmlns:a="http://schemas.openxmlformats.org/drawingml/2006/main" xmlns:r="http://schemas.openxmlformats.org/officeDocument/2006/relationships" xmlns:p="http://schemas.openxmlformats.org/presentationml/2006/main" showMasterSp="0" showMasterPhAnim="0">
   <p:cSld>
     <p:spTree>
@@ -1713,7 +1586,7 @@
 </p:notes>
 </file>
 
-<file path=ppt/notesSlides/notesSlide16.xml><?xml version="1.0" encoding="utf-8"?>
+<file path=ppt/notesSlides/notesSlide15.xml><?xml version="1.0" encoding="utf-8"?>
 <p:notes xmlns:a="http://schemas.openxmlformats.org/drawingml/2006/main" xmlns:r="http://schemas.openxmlformats.org/officeDocument/2006/relationships" xmlns:p="http://schemas.openxmlformats.org/presentationml/2006/main" showMasterSp="0" showMasterPhAnim="0">
   <p:cSld>
     <p:spTree>
@@ -1742,7 +1615,7 @@
         </p:nvSpPr>
         <p:spPr>
           <a:xfrm>
-            <a:off x="381300" y="685800"/>
+            <a:off x="381000" y="685800"/>
             <a:ext cx="6096000" cy="3429000"/>
           </a:xfrm>
           <a:custGeom>
@@ -1835,251 +1708,7 @@
 </p:notes>
 </file>
 
-<file path=ppt/notesSlides/notesSlide17.xml><?xml version="1.0" encoding="utf-8"?>
-<p:notes xmlns:a="http://schemas.openxmlformats.org/drawingml/2006/main" xmlns:r="http://schemas.openxmlformats.org/officeDocument/2006/relationships" xmlns:p="http://schemas.openxmlformats.org/presentationml/2006/main" showMasterSp="0" showMasterPhAnim="0">
-  <p:cSld>
-    <p:spTree>
-      <p:nvGrpSpPr>
-        <p:cNvPr id="1" name="Shape 146"/>
-        <p:cNvGrpSpPr/>
-        <p:nvPr/>
-      </p:nvGrpSpPr>
-      <p:grpSpPr>
-        <a:xfrm>
-          <a:off x="0" y="0"/>
-          <a:ext cx="0" cy="0"/>
-          <a:chOff x="0" y="0"/>
-          <a:chExt cx="0" cy="0"/>
-        </a:xfrm>
-      </p:grpSpPr>
-      <p:sp>
-        <p:nvSpPr>
-          <p:cNvPr id="147" name="Google Shape;147;p17:notes"/>
-          <p:cNvSpPr>
-            <a:spLocks noGrp="1" noRot="1" noChangeAspect="1"/>
-          </p:cNvSpPr>
-          <p:nvPr>
-            <p:ph type="sldImg" idx="2"/>
-          </p:nvPr>
-        </p:nvSpPr>
-        <p:spPr>
-          <a:xfrm>
-            <a:off x="381300" y="685800"/>
-            <a:ext cx="6096000" cy="3429000"/>
-          </a:xfrm>
-          <a:custGeom>
-            <a:avLst/>
-            <a:gdLst/>
-            <a:ahLst/>
-            <a:cxnLst/>
-            <a:rect l="l" t="t" r="r" b="b"/>
-            <a:pathLst>
-              <a:path w="120000" h="120000" extrusionOk="0">
-                <a:moveTo>
-                  <a:pt x="0" y="0"/>
-                </a:moveTo>
-                <a:lnTo>
-                  <a:pt x="120000" y="0"/>
-                </a:lnTo>
-                <a:lnTo>
-                  <a:pt x="120000" y="120000"/>
-                </a:lnTo>
-                <a:lnTo>
-                  <a:pt x="0" y="120000"/>
-                </a:lnTo>
-                <a:close/>
-              </a:path>
-            </a:pathLst>
-          </a:custGeom>
-          <a:noFill/>
-          <a:ln w="9525" cap="flat" cmpd="sng">
-            <a:solidFill>
-              <a:srgbClr val="000000"/>
-            </a:solidFill>
-            <a:prstDash val="solid"/>
-            <a:round/>
-            <a:headEnd type="none" w="sm" len="sm"/>
-            <a:tailEnd type="none" w="sm" len="sm"/>
-          </a:ln>
-        </p:spPr>
-      </p:sp>
-      <p:sp>
-        <p:nvSpPr>
-          <p:cNvPr id="148" name="Google Shape;148;p17:notes"/>
-          <p:cNvSpPr txBox="1">
-            <a:spLocks noGrp="1"/>
-          </p:cNvSpPr>
-          <p:nvPr>
-            <p:ph type="body" idx="1"/>
-          </p:nvPr>
-        </p:nvSpPr>
-        <p:spPr>
-          <a:xfrm>
-            <a:off x="685800" y="4343400"/>
-            <a:ext cx="5486400" cy="4114800"/>
-          </a:xfrm>
-          <a:prstGeom prst="rect">
-            <a:avLst/>
-          </a:prstGeom>
-          <a:noFill/>
-          <a:ln>
-            <a:noFill/>
-          </a:ln>
-        </p:spPr>
-        <p:txBody>
-          <a:bodyPr spcFirstLastPara="1" wrap="square" lIns="91425" tIns="91425" rIns="91425" bIns="91425" anchor="t" anchorCtr="0">
-            <a:noAutofit/>
-          </a:bodyPr>
-          <a:lstStyle/>
-          <a:p>
-            <a:pPr marL="0" lvl="0" indent="0" algn="l" rtl="0">
-              <a:lnSpc>
-                <a:spcPct val="100000"/>
-              </a:lnSpc>
-              <a:spcBef>
-                <a:spcPts val="0"/>
-              </a:spcBef>
-              <a:spcAft>
-                <a:spcPts val="0"/>
-              </a:spcAft>
-              <a:buSzPts val="1100"/>
-              <a:buNone/>
-            </a:pPr>
-            <a:endParaRPr/>
-          </a:p>
-        </p:txBody>
-      </p:sp>
-    </p:spTree>
-  </p:cSld>
-  <p:clrMapOvr>
-    <a:masterClrMapping/>
-  </p:clrMapOvr>
-</p:notes>
-</file>
-
-<file path=ppt/notesSlides/notesSlide18.xml><?xml version="1.0" encoding="utf-8"?>
-<p:notes xmlns:a="http://schemas.openxmlformats.org/drawingml/2006/main" xmlns:r="http://schemas.openxmlformats.org/officeDocument/2006/relationships" xmlns:p="http://schemas.openxmlformats.org/presentationml/2006/main" showMasterSp="0" showMasterPhAnim="0">
-  <p:cSld>
-    <p:spTree>
-      <p:nvGrpSpPr>
-        <p:cNvPr id="1" name="Shape 152"/>
-        <p:cNvGrpSpPr/>
-        <p:nvPr/>
-      </p:nvGrpSpPr>
-      <p:grpSpPr>
-        <a:xfrm>
-          <a:off x="0" y="0"/>
-          <a:ext cx="0" cy="0"/>
-          <a:chOff x="0" y="0"/>
-          <a:chExt cx="0" cy="0"/>
-        </a:xfrm>
-      </p:grpSpPr>
-      <p:sp>
-        <p:nvSpPr>
-          <p:cNvPr id="153" name="Google Shape;153;p18:notes"/>
-          <p:cNvSpPr>
-            <a:spLocks noGrp="1" noRot="1" noChangeAspect="1"/>
-          </p:cNvSpPr>
-          <p:nvPr>
-            <p:ph type="sldImg" idx="2"/>
-          </p:nvPr>
-        </p:nvSpPr>
-        <p:spPr>
-          <a:xfrm>
-            <a:off x="381300" y="685800"/>
-            <a:ext cx="6096000" cy="3429000"/>
-          </a:xfrm>
-          <a:custGeom>
-            <a:avLst/>
-            <a:gdLst/>
-            <a:ahLst/>
-            <a:cxnLst/>
-            <a:rect l="l" t="t" r="r" b="b"/>
-            <a:pathLst>
-              <a:path w="120000" h="120000" extrusionOk="0">
-                <a:moveTo>
-                  <a:pt x="0" y="0"/>
-                </a:moveTo>
-                <a:lnTo>
-                  <a:pt x="120000" y="0"/>
-                </a:lnTo>
-                <a:lnTo>
-                  <a:pt x="120000" y="120000"/>
-                </a:lnTo>
-                <a:lnTo>
-                  <a:pt x="0" y="120000"/>
-                </a:lnTo>
-                <a:close/>
-              </a:path>
-            </a:pathLst>
-          </a:custGeom>
-          <a:noFill/>
-          <a:ln w="9525" cap="flat" cmpd="sng">
-            <a:solidFill>
-              <a:srgbClr val="000000"/>
-            </a:solidFill>
-            <a:prstDash val="solid"/>
-            <a:round/>
-            <a:headEnd type="none" w="sm" len="sm"/>
-            <a:tailEnd type="none" w="sm" len="sm"/>
-          </a:ln>
-        </p:spPr>
-      </p:sp>
-      <p:sp>
-        <p:nvSpPr>
-          <p:cNvPr id="154" name="Google Shape;154;p18:notes"/>
-          <p:cNvSpPr txBox="1">
-            <a:spLocks noGrp="1"/>
-          </p:cNvSpPr>
-          <p:nvPr>
-            <p:ph type="body" idx="1"/>
-          </p:nvPr>
-        </p:nvSpPr>
-        <p:spPr>
-          <a:xfrm>
-            <a:off x="685800" y="4343400"/>
-            <a:ext cx="5486400" cy="4114800"/>
-          </a:xfrm>
-          <a:prstGeom prst="rect">
-            <a:avLst/>
-          </a:prstGeom>
-          <a:noFill/>
-          <a:ln>
-            <a:noFill/>
-          </a:ln>
-        </p:spPr>
-        <p:txBody>
-          <a:bodyPr spcFirstLastPara="1" wrap="square" lIns="91425" tIns="91425" rIns="91425" bIns="91425" anchor="t" anchorCtr="0">
-            <a:noAutofit/>
-          </a:bodyPr>
-          <a:lstStyle/>
-          <a:p>
-            <a:pPr marL="0" lvl="0" indent="0" algn="l" rtl="0">
-              <a:lnSpc>
-                <a:spcPct val="100000"/>
-              </a:lnSpc>
-              <a:spcBef>
-                <a:spcPts val="0"/>
-              </a:spcBef>
-              <a:spcAft>
-                <a:spcPts val="0"/>
-              </a:spcAft>
-              <a:buSzPts val="1100"/>
-              <a:buNone/>
-            </a:pPr>
-            <a:endParaRPr/>
-          </a:p>
-        </p:txBody>
-      </p:sp>
-    </p:spTree>
-  </p:cSld>
-  <p:clrMapOvr>
-    <a:masterClrMapping/>
-  </p:clrMapOvr>
-</p:notes>
-</file>
-
-<file path=ppt/notesSlides/notesSlide19.xml><?xml version="1.0" encoding="utf-8"?>
+<file path=ppt/notesSlides/notesSlide16.xml><?xml version="1.0" encoding="utf-8"?>
 <p:notes xmlns:a="http://schemas.openxmlformats.org/drawingml/2006/main" xmlns:r="http://schemas.openxmlformats.org/officeDocument/2006/relationships" xmlns:p="http://schemas.openxmlformats.org/presentationml/2006/main" showMasterSp="0" showMasterPhAnim="0">
   <p:cSld>
     <p:spTree>
@@ -2108,7 +1737,7 @@
         </p:nvSpPr>
         <p:spPr>
           <a:xfrm>
-            <a:off x="381300" y="685800"/>
+            <a:off x="381000" y="685800"/>
             <a:ext cx="6096000" cy="3429000"/>
           </a:xfrm>
           <a:custGeom>
@@ -2230,7 +1859,7 @@
         </p:nvSpPr>
         <p:spPr>
           <a:xfrm>
-            <a:off x="381300" y="685800"/>
+            <a:off x="381000" y="685800"/>
             <a:ext cx="6096000" cy="3429000"/>
           </a:xfrm>
           <a:custGeom>
@@ -2323,373 +1952,7 @@
 </p:notes>
 </file>
 
-<file path=ppt/notesSlides/notesSlide20.xml><?xml version="1.0" encoding="utf-8"?>
-<p:notes xmlns:a="http://schemas.openxmlformats.org/drawingml/2006/main" xmlns:r="http://schemas.openxmlformats.org/officeDocument/2006/relationships" xmlns:p="http://schemas.openxmlformats.org/presentationml/2006/main" showMasterSp="0" showMasterPhAnim="0">
-  <p:cSld>
-    <p:spTree>
-      <p:nvGrpSpPr>
-        <p:cNvPr id="1" name="Shape 164"/>
-        <p:cNvGrpSpPr/>
-        <p:nvPr/>
-      </p:nvGrpSpPr>
-      <p:grpSpPr>
-        <a:xfrm>
-          <a:off x="0" y="0"/>
-          <a:ext cx="0" cy="0"/>
-          <a:chOff x="0" y="0"/>
-          <a:chExt cx="0" cy="0"/>
-        </a:xfrm>
-      </p:grpSpPr>
-      <p:sp>
-        <p:nvSpPr>
-          <p:cNvPr id="165" name="Google Shape;165;p20:notes"/>
-          <p:cNvSpPr>
-            <a:spLocks noGrp="1" noRot="1" noChangeAspect="1"/>
-          </p:cNvSpPr>
-          <p:nvPr>
-            <p:ph type="sldImg" idx="2"/>
-          </p:nvPr>
-        </p:nvSpPr>
-        <p:spPr>
-          <a:xfrm>
-            <a:off x="381300" y="685800"/>
-            <a:ext cx="6096000" cy="3429000"/>
-          </a:xfrm>
-          <a:custGeom>
-            <a:avLst/>
-            <a:gdLst/>
-            <a:ahLst/>
-            <a:cxnLst/>
-            <a:rect l="l" t="t" r="r" b="b"/>
-            <a:pathLst>
-              <a:path w="120000" h="120000" extrusionOk="0">
-                <a:moveTo>
-                  <a:pt x="0" y="0"/>
-                </a:moveTo>
-                <a:lnTo>
-                  <a:pt x="120000" y="0"/>
-                </a:lnTo>
-                <a:lnTo>
-                  <a:pt x="120000" y="120000"/>
-                </a:lnTo>
-                <a:lnTo>
-                  <a:pt x="0" y="120000"/>
-                </a:lnTo>
-                <a:close/>
-              </a:path>
-            </a:pathLst>
-          </a:custGeom>
-          <a:noFill/>
-          <a:ln w="9525" cap="flat" cmpd="sng">
-            <a:solidFill>
-              <a:srgbClr val="000000"/>
-            </a:solidFill>
-            <a:prstDash val="solid"/>
-            <a:round/>
-            <a:headEnd type="none" w="sm" len="sm"/>
-            <a:tailEnd type="none" w="sm" len="sm"/>
-          </a:ln>
-        </p:spPr>
-      </p:sp>
-      <p:sp>
-        <p:nvSpPr>
-          <p:cNvPr id="166" name="Google Shape;166;p20:notes"/>
-          <p:cNvSpPr txBox="1">
-            <a:spLocks noGrp="1"/>
-          </p:cNvSpPr>
-          <p:nvPr>
-            <p:ph type="body" idx="1"/>
-          </p:nvPr>
-        </p:nvSpPr>
-        <p:spPr>
-          <a:xfrm>
-            <a:off x="685800" y="4343400"/>
-            <a:ext cx="5486400" cy="4114800"/>
-          </a:xfrm>
-          <a:prstGeom prst="rect">
-            <a:avLst/>
-          </a:prstGeom>
-          <a:noFill/>
-          <a:ln>
-            <a:noFill/>
-          </a:ln>
-        </p:spPr>
-        <p:txBody>
-          <a:bodyPr spcFirstLastPara="1" wrap="square" lIns="91425" tIns="91425" rIns="91425" bIns="91425" anchor="t" anchorCtr="0">
-            <a:noAutofit/>
-          </a:bodyPr>
-          <a:lstStyle/>
-          <a:p>
-            <a:pPr marL="0" lvl="0" indent="0" algn="l" rtl="0">
-              <a:lnSpc>
-                <a:spcPct val="100000"/>
-              </a:lnSpc>
-              <a:spcBef>
-                <a:spcPts val="0"/>
-              </a:spcBef>
-              <a:spcAft>
-                <a:spcPts val="0"/>
-              </a:spcAft>
-              <a:buSzPts val="1100"/>
-              <a:buNone/>
-            </a:pPr>
-            <a:endParaRPr/>
-          </a:p>
-        </p:txBody>
-      </p:sp>
-    </p:spTree>
-  </p:cSld>
-  <p:clrMapOvr>
-    <a:masterClrMapping/>
-  </p:clrMapOvr>
-</p:notes>
-</file>
-
-<file path=ppt/notesSlides/notesSlide21.xml><?xml version="1.0" encoding="utf-8"?>
-<p:notes xmlns:a="http://schemas.openxmlformats.org/drawingml/2006/main" xmlns:r="http://schemas.openxmlformats.org/officeDocument/2006/relationships" xmlns:p="http://schemas.openxmlformats.org/presentationml/2006/main" showMasterSp="0" showMasterPhAnim="0">
-  <p:cSld>
-    <p:spTree>
-      <p:nvGrpSpPr>
-        <p:cNvPr id="1" name="Shape 170"/>
-        <p:cNvGrpSpPr/>
-        <p:nvPr/>
-      </p:nvGrpSpPr>
-      <p:grpSpPr>
-        <a:xfrm>
-          <a:off x="0" y="0"/>
-          <a:ext cx="0" cy="0"/>
-          <a:chOff x="0" y="0"/>
-          <a:chExt cx="0" cy="0"/>
-        </a:xfrm>
-      </p:grpSpPr>
-      <p:sp>
-        <p:nvSpPr>
-          <p:cNvPr id="171" name="Google Shape;171;p21:notes"/>
-          <p:cNvSpPr>
-            <a:spLocks noGrp="1" noRot="1" noChangeAspect="1"/>
-          </p:cNvSpPr>
-          <p:nvPr>
-            <p:ph type="sldImg" idx="2"/>
-          </p:nvPr>
-        </p:nvSpPr>
-        <p:spPr>
-          <a:xfrm>
-            <a:off x="381300" y="685800"/>
-            <a:ext cx="6096000" cy="3429000"/>
-          </a:xfrm>
-          <a:custGeom>
-            <a:avLst/>
-            <a:gdLst/>
-            <a:ahLst/>
-            <a:cxnLst/>
-            <a:rect l="l" t="t" r="r" b="b"/>
-            <a:pathLst>
-              <a:path w="120000" h="120000" extrusionOk="0">
-                <a:moveTo>
-                  <a:pt x="0" y="0"/>
-                </a:moveTo>
-                <a:lnTo>
-                  <a:pt x="120000" y="0"/>
-                </a:lnTo>
-                <a:lnTo>
-                  <a:pt x="120000" y="120000"/>
-                </a:lnTo>
-                <a:lnTo>
-                  <a:pt x="0" y="120000"/>
-                </a:lnTo>
-                <a:close/>
-              </a:path>
-            </a:pathLst>
-          </a:custGeom>
-          <a:noFill/>
-          <a:ln w="9525" cap="flat" cmpd="sng">
-            <a:solidFill>
-              <a:srgbClr val="000000"/>
-            </a:solidFill>
-            <a:prstDash val="solid"/>
-            <a:round/>
-            <a:headEnd type="none" w="sm" len="sm"/>
-            <a:tailEnd type="none" w="sm" len="sm"/>
-          </a:ln>
-        </p:spPr>
-      </p:sp>
-      <p:sp>
-        <p:nvSpPr>
-          <p:cNvPr id="172" name="Google Shape;172;p21:notes"/>
-          <p:cNvSpPr txBox="1">
-            <a:spLocks noGrp="1"/>
-          </p:cNvSpPr>
-          <p:nvPr>
-            <p:ph type="body" idx="1"/>
-          </p:nvPr>
-        </p:nvSpPr>
-        <p:spPr>
-          <a:xfrm>
-            <a:off x="685800" y="4343400"/>
-            <a:ext cx="5486400" cy="4114800"/>
-          </a:xfrm>
-          <a:prstGeom prst="rect">
-            <a:avLst/>
-          </a:prstGeom>
-          <a:noFill/>
-          <a:ln>
-            <a:noFill/>
-          </a:ln>
-        </p:spPr>
-        <p:txBody>
-          <a:bodyPr spcFirstLastPara="1" wrap="square" lIns="91425" tIns="91425" rIns="91425" bIns="91425" anchor="t" anchorCtr="0">
-            <a:noAutofit/>
-          </a:bodyPr>
-          <a:lstStyle/>
-          <a:p>
-            <a:pPr marL="0" lvl="0" indent="0" algn="l" rtl="0">
-              <a:lnSpc>
-                <a:spcPct val="100000"/>
-              </a:lnSpc>
-              <a:spcBef>
-                <a:spcPts val="0"/>
-              </a:spcBef>
-              <a:spcAft>
-                <a:spcPts val="0"/>
-              </a:spcAft>
-              <a:buSzPts val="1100"/>
-              <a:buNone/>
-            </a:pPr>
-            <a:endParaRPr/>
-          </a:p>
-        </p:txBody>
-      </p:sp>
-    </p:spTree>
-  </p:cSld>
-  <p:clrMapOvr>
-    <a:masterClrMapping/>
-  </p:clrMapOvr>
-</p:notes>
-</file>
-
 <file path=ppt/notesSlides/notesSlide3.xml><?xml version="1.0" encoding="utf-8"?>
-<p:notes xmlns:a="http://schemas.openxmlformats.org/drawingml/2006/main" xmlns:r="http://schemas.openxmlformats.org/officeDocument/2006/relationships" xmlns:p="http://schemas.openxmlformats.org/presentationml/2006/main" showMasterSp="0" showMasterPhAnim="0">
-  <p:cSld>
-    <p:spTree>
-      <p:nvGrpSpPr>
-        <p:cNvPr id="1" name="Shape 62"/>
-        <p:cNvGrpSpPr/>
-        <p:nvPr/>
-      </p:nvGrpSpPr>
-      <p:grpSpPr>
-        <a:xfrm>
-          <a:off x="0" y="0"/>
-          <a:ext cx="0" cy="0"/>
-          <a:chOff x="0" y="0"/>
-          <a:chExt cx="0" cy="0"/>
-        </a:xfrm>
-      </p:grpSpPr>
-      <p:sp>
-        <p:nvSpPr>
-          <p:cNvPr id="63" name="Google Shape;63;p3:notes"/>
-          <p:cNvSpPr>
-            <a:spLocks noGrp="1" noRot="1" noChangeAspect="1"/>
-          </p:cNvSpPr>
-          <p:nvPr>
-            <p:ph type="sldImg" idx="2"/>
-          </p:nvPr>
-        </p:nvSpPr>
-        <p:spPr>
-          <a:xfrm>
-            <a:off x="381300" y="685800"/>
-            <a:ext cx="6096000" cy="3429000"/>
-          </a:xfrm>
-          <a:custGeom>
-            <a:avLst/>
-            <a:gdLst/>
-            <a:ahLst/>
-            <a:cxnLst/>
-            <a:rect l="l" t="t" r="r" b="b"/>
-            <a:pathLst>
-              <a:path w="120000" h="120000" extrusionOk="0">
-                <a:moveTo>
-                  <a:pt x="0" y="0"/>
-                </a:moveTo>
-                <a:lnTo>
-                  <a:pt x="120000" y="0"/>
-                </a:lnTo>
-                <a:lnTo>
-                  <a:pt x="120000" y="120000"/>
-                </a:lnTo>
-                <a:lnTo>
-                  <a:pt x="0" y="120000"/>
-                </a:lnTo>
-                <a:close/>
-              </a:path>
-            </a:pathLst>
-          </a:custGeom>
-          <a:noFill/>
-          <a:ln w="9525" cap="flat" cmpd="sng">
-            <a:solidFill>
-              <a:srgbClr val="000000"/>
-            </a:solidFill>
-            <a:prstDash val="solid"/>
-            <a:round/>
-            <a:headEnd type="none" w="sm" len="sm"/>
-            <a:tailEnd type="none" w="sm" len="sm"/>
-          </a:ln>
-        </p:spPr>
-      </p:sp>
-      <p:sp>
-        <p:nvSpPr>
-          <p:cNvPr id="64" name="Google Shape;64;p3:notes"/>
-          <p:cNvSpPr txBox="1">
-            <a:spLocks noGrp="1"/>
-          </p:cNvSpPr>
-          <p:nvPr>
-            <p:ph type="body" idx="1"/>
-          </p:nvPr>
-        </p:nvSpPr>
-        <p:spPr>
-          <a:xfrm>
-            <a:off x="685800" y="4343400"/>
-            <a:ext cx="5486400" cy="4114800"/>
-          </a:xfrm>
-          <a:prstGeom prst="rect">
-            <a:avLst/>
-          </a:prstGeom>
-          <a:noFill/>
-          <a:ln>
-            <a:noFill/>
-          </a:ln>
-        </p:spPr>
-        <p:txBody>
-          <a:bodyPr spcFirstLastPara="1" wrap="square" lIns="91425" tIns="91425" rIns="91425" bIns="91425" anchor="t" anchorCtr="0">
-            <a:noAutofit/>
-          </a:bodyPr>
-          <a:lstStyle/>
-          <a:p>
-            <a:pPr marL="0" lvl="0" indent="0" algn="l" rtl="0">
-              <a:lnSpc>
-                <a:spcPct val="100000"/>
-              </a:lnSpc>
-              <a:spcBef>
-                <a:spcPts val="0"/>
-              </a:spcBef>
-              <a:spcAft>
-                <a:spcPts val="0"/>
-              </a:spcAft>
-              <a:buSzPts val="1100"/>
-              <a:buNone/>
-            </a:pPr>
-            <a:endParaRPr/>
-          </a:p>
-        </p:txBody>
-      </p:sp>
-    </p:spTree>
-  </p:cSld>
-  <p:clrMapOvr>
-    <a:masterClrMapping/>
-  </p:clrMapOvr>
-</p:notes>
-</file>
-
-<file path=ppt/notesSlides/notesSlide4.xml><?xml version="1.0" encoding="utf-8"?>
 <p:notes xmlns:a="http://schemas.openxmlformats.org/drawingml/2006/main" xmlns:r="http://schemas.openxmlformats.org/officeDocument/2006/relationships" xmlns:p="http://schemas.openxmlformats.org/presentationml/2006/main" showMasterSp="0" showMasterPhAnim="0">
   <p:cSld>
     <p:spTree>
@@ -2718,7 +1981,7 @@
         </p:nvSpPr>
         <p:spPr>
           <a:xfrm>
-            <a:off x="381300" y="685800"/>
+            <a:off x="381000" y="685800"/>
             <a:ext cx="6096000" cy="3429000"/>
           </a:xfrm>
           <a:custGeom>
@@ -2811,7 +2074,7 @@
 </p:notes>
 </file>
 
-<file path=ppt/notesSlides/notesSlide5.xml><?xml version="1.0" encoding="utf-8"?>
+<file path=ppt/notesSlides/notesSlide4.xml><?xml version="1.0" encoding="utf-8"?>
 <p:notes xmlns:a="http://schemas.openxmlformats.org/drawingml/2006/main" xmlns:r="http://schemas.openxmlformats.org/officeDocument/2006/relationships" xmlns:p="http://schemas.openxmlformats.org/presentationml/2006/main" showMasterSp="0" showMasterPhAnim="0">
   <p:cSld>
     <p:spTree>
@@ -2933,7 +2196,7 @@
 </p:notes>
 </file>
 
-<file path=ppt/notesSlides/notesSlide6.xml><?xml version="1.0" encoding="utf-8"?>
+<file path=ppt/notesSlides/notesSlide5.xml><?xml version="1.0" encoding="utf-8"?>
 <p:notes xmlns:a="http://schemas.openxmlformats.org/drawingml/2006/main" xmlns:r="http://schemas.openxmlformats.org/officeDocument/2006/relationships" xmlns:p="http://schemas.openxmlformats.org/presentationml/2006/main" showMasterSp="0" showMasterPhAnim="0">
   <p:cSld>
     <p:spTree>
@@ -3055,7 +2318,7 @@
 </p:notes>
 </file>
 
-<file path=ppt/notesSlides/notesSlide7.xml><?xml version="1.0" encoding="utf-8"?>
+<file path=ppt/notesSlides/notesSlide6.xml><?xml version="1.0" encoding="utf-8"?>
 <p:notes xmlns:a="http://schemas.openxmlformats.org/drawingml/2006/main" xmlns:r="http://schemas.openxmlformats.org/officeDocument/2006/relationships" xmlns:p="http://schemas.openxmlformats.org/presentationml/2006/main" showMasterSp="0" showMasterPhAnim="0">
   <p:cSld>
     <p:spTree>
@@ -3177,7 +2440,7 @@
 </p:notes>
 </file>
 
-<file path=ppt/notesSlides/notesSlide8.xml><?xml version="1.0" encoding="utf-8"?>
+<file path=ppt/notesSlides/notesSlide7.xml><?xml version="1.0" encoding="utf-8"?>
 <p:notes xmlns:a="http://schemas.openxmlformats.org/drawingml/2006/main" xmlns:r="http://schemas.openxmlformats.org/officeDocument/2006/relationships" xmlns:p="http://schemas.openxmlformats.org/presentationml/2006/main" showMasterSp="0" showMasterPhAnim="0">
   <p:cSld>
     <p:spTree>
@@ -3299,7 +2562,7 @@
 </p:notes>
 </file>
 
-<file path=ppt/notesSlides/notesSlide9.xml><?xml version="1.0" encoding="utf-8"?>
+<file path=ppt/notesSlides/notesSlide8.xml><?xml version="1.0" encoding="utf-8"?>
 <p:notes xmlns:a="http://schemas.openxmlformats.org/drawingml/2006/main" xmlns:r="http://schemas.openxmlformats.org/officeDocument/2006/relationships" xmlns:p="http://schemas.openxmlformats.org/presentationml/2006/main" showMasterSp="0" showMasterPhAnim="0">
   <p:cSld>
     <p:spTree>
@@ -3370,6 +2633,128 @@
       <p:sp>
         <p:nvSpPr>
           <p:cNvPr id="100" name="Google Shape;100;p9:notes"/>
+          <p:cNvSpPr txBox="1">
+            <a:spLocks noGrp="1"/>
+          </p:cNvSpPr>
+          <p:nvPr>
+            <p:ph type="body" idx="1"/>
+          </p:nvPr>
+        </p:nvSpPr>
+        <p:spPr>
+          <a:xfrm>
+            <a:off x="685800" y="4343400"/>
+            <a:ext cx="5486400" cy="4114800"/>
+          </a:xfrm>
+          <a:prstGeom prst="rect">
+            <a:avLst/>
+          </a:prstGeom>
+          <a:noFill/>
+          <a:ln>
+            <a:noFill/>
+          </a:ln>
+        </p:spPr>
+        <p:txBody>
+          <a:bodyPr spcFirstLastPara="1" wrap="square" lIns="91425" tIns="91425" rIns="91425" bIns="91425" anchor="t" anchorCtr="0">
+            <a:noAutofit/>
+          </a:bodyPr>
+          <a:lstStyle/>
+          <a:p>
+            <a:pPr marL="0" lvl="0" indent="0" algn="l" rtl="0">
+              <a:lnSpc>
+                <a:spcPct val="100000"/>
+              </a:lnSpc>
+              <a:spcBef>
+                <a:spcPts val="0"/>
+              </a:spcBef>
+              <a:spcAft>
+                <a:spcPts val="0"/>
+              </a:spcAft>
+              <a:buSzPts val="1100"/>
+              <a:buNone/>
+            </a:pPr>
+            <a:endParaRPr/>
+          </a:p>
+        </p:txBody>
+      </p:sp>
+    </p:spTree>
+  </p:cSld>
+  <p:clrMapOvr>
+    <a:masterClrMapping/>
+  </p:clrMapOvr>
+</p:notes>
+</file>
+
+<file path=ppt/notesSlides/notesSlide9.xml><?xml version="1.0" encoding="utf-8"?>
+<p:notes xmlns:a="http://schemas.openxmlformats.org/drawingml/2006/main" xmlns:r="http://schemas.openxmlformats.org/officeDocument/2006/relationships" xmlns:p="http://schemas.openxmlformats.org/presentationml/2006/main" showMasterSp="0" showMasterPhAnim="0">
+  <p:cSld>
+    <p:spTree>
+      <p:nvGrpSpPr>
+        <p:cNvPr id="1" name="Shape 104"/>
+        <p:cNvGrpSpPr/>
+        <p:nvPr/>
+      </p:nvGrpSpPr>
+      <p:grpSpPr>
+        <a:xfrm>
+          <a:off x="0" y="0"/>
+          <a:ext cx="0" cy="0"/>
+          <a:chOff x="0" y="0"/>
+          <a:chExt cx="0" cy="0"/>
+        </a:xfrm>
+      </p:grpSpPr>
+      <p:sp>
+        <p:nvSpPr>
+          <p:cNvPr id="105" name="Google Shape;105;p10:notes"/>
+          <p:cNvSpPr>
+            <a:spLocks noGrp="1" noRot="1" noChangeAspect="1"/>
+          </p:cNvSpPr>
+          <p:nvPr>
+            <p:ph type="sldImg" idx="2"/>
+          </p:nvPr>
+        </p:nvSpPr>
+        <p:spPr>
+          <a:xfrm>
+            <a:off x="381300" y="685800"/>
+            <a:ext cx="6096000" cy="3429000"/>
+          </a:xfrm>
+          <a:custGeom>
+            <a:avLst/>
+            <a:gdLst/>
+            <a:ahLst/>
+            <a:cxnLst/>
+            <a:rect l="l" t="t" r="r" b="b"/>
+            <a:pathLst>
+              <a:path w="120000" h="120000" extrusionOk="0">
+                <a:moveTo>
+                  <a:pt x="0" y="0"/>
+                </a:moveTo>
+                <a:lnTo>
+                  <a:pt x="120000" y="0"/>
+                </a:lnTo>
+                <a:lnTo>
+                  <a:pt x="120000" y="120000"/>
+                </a:lnTo>
+                <a:lnTo>
+                  <a:pt x="0" y="120000"/>
+                </a:lnTo>
+                <a:close/>
+              </a:path>
+            </a:pathLst>
+          </a:custGeom>
+          <a:noFill/>
+          <a:ln w="9525" cap="flat" cmpd="sng">
+            <a:solidFill>
+              <a:srgbClr val="000000"/>
+            </a:solidFill>
+            <a:prstDash val="solid"/>
+            <a:round/>
+            <a:headEnd type="none" w="sm" len="sm"/>
+            <a:tailEnd type="none" w="sm" len="sm"/>
+          </a:ln>
+        </p:spPr>
+      </p:sp>
+      <p:sp>
+        <p:nvSpPr>
+          <p:cNvPr id="106" name="Google Shape;106;p10:notes"/>
           <p:cNvSpPr txBox="1">
             <a:spLocks noGrp="1"/>
           </p:cNvSpPr>
@@ -11397,22 +10782,18 @@
               <a:buNone/>
             </a:pPr>
             <a:r>
-              <a:rPr lang="pt-BR"/>
+              <a:rPr lang="pt-BR" dirty="0"/>
               <a:t> </a:t>
             </a:r>
             <a:r>
-              <a:rPr lang="pt-BR">
+              <a:rPr lang="pt-BR" dirty="0">
                 <a:solidFill>
                   <a:schemeClr val="dk1"/>
                 </a:solidFill>
               </a:rPr>
-              <a:t>  Oficina 04</a:t>
+              <a:t>  </a:t>
             </a:r>
-            <a:r>
-              <a:rPr lang="pt-BR"/>
-              <a:t>                                                                                                                                                                                                                                                                                                                                                         </a:t>
-            </a:r>
-            <a:endParaRPr/>
+            <a:endParaRPr dirty="0"/>
           </a:p>
         </p:txBody>
       </p:sp>
@@ -11425,187 +10806,6 @@
 </file>
 
 <file path=ppt/slides/slide10.xml><?xml version="1.0" encoding="utf-8"?>
-<p:sld xmlns:a="http://schemas.openxmlformats.org/drawingml/2006/main" xmlns:r="http://schemas.openxmlformats.org/officeDocument/2006/relationships" xmlns:p="http://schemas.openxmlformats.org/presentationml/2006/main">
-  <p:cSld>
-    <p:spTree>
-      <p:nvGrpSpPr>
-        <p:cNvPr id="1" name="Shape 107"/>
-        <p:cNvGrpSpPr/>
-        <p:nvPr/>
-      </p:nvGrpSpPr>
-      <p:grpSpPr>
-        <a:xfrm>
-          <a:off x="0" y="0"/>
-          <a:ext cx="0" cy="0"/>
-          <a:chOff x="0" y="0"/>
-          <a:chExt cx="0" cy="0"/>
-        </a:xfrm>
-      </p:grpSpPr>
-      <p:sp>
-        <p:nvSpPr>
-          <p:cNvPr id="108" name="Google Shape;108;p10"/>
-          <p:cNvSpPr txBox="1">
-            <a:spLocks noGrp="1"/>
-          </p:cNvSpPr>
-          <p:nvPr>
-            <p:ph type="title"/>
-          </p:nvPr>
-        </p:nvSpPr>
-        <p:spPr>
-          <a:xfrm>
-            <a:off x="311700" y="445025"/>
-            <a:ext cx="8520600" cy="572700"/>
-          </a:xfrm>
-          <a:prstGeom prst="rect">
-            <a:avLst/>
-          </a:prstGeom>
-          <a:noFill/>
-          <a:ln>
-            <a:noFill/>
-          </a:ln>
-        </p:spPr>
-        <p:txBody>
-          <a:bodyPr spcFirstLastPara="1" wrap="square" lIns="91425" tIns="91425" rIns="91425" bIns="91425" anchor="t" anchorCtr="0">
-            <a:normAutofit fontScale="90000"/>
-          </a:bodyPr>
-          <a:lstStyle/>
-          <a:p>
-            <a:pPr marL="0" lvl="0" indent="0" algn="l" rtl="0">
-              <a:lnSpc>
-                <a:spcPct val="100000"/>
-              </a:lnSpc>
-              <a:spcBef>
-                <a:spcPts val="0"/>
-              </a:spcBef>
-              <a:spcAft>
-                <a:spcPts val="0"/>
-              </a:spcAft>
-              <a:buSzPct val="111111"/>
-              <a:buNone/>
-            </a:pPr>
-            <a:endParaRPr/>
-          </a:p>
-        </p:txBody>
-      </p:sp>
-      <p:sp>
-        <p:nvSpPr>
-          <p:cNvPr id="109" name="Google Shape;109;p10"/>
-          <p:cNvSpPr txBox="1">
-            <a:spLocks noGrp="1"/>
-          </p:cNvSpPr>
-          <p:nvPr>
-            <p:ph type="body" idx="1"/>
-          </p:nvPr>
-        </p:nvSpPr>
-        <p:spPr>
-          <a:xfrm>
-            <a:off x="311700" y="1152475"/>
-            <a:ext cx="8520600" cy="3416400"/>
-          </a:xfrm>
-          <a:prstGeom prst="rect">
-            <a:avLst/>
-          </a:prstGeom>
-          <a:noFill/>
-          <a:ln>
-            <a:noFill/>
-          </a:ln>
-        </p:spPr>
-        <p:txBody>
-          <a:bodyPr spcFirstLastPara="1" wrap="square" lIns="91425" tIns="91425" rIns="91425" bIns="91425" anchor="t" anchorCtr="0">
-            <a:normAutofit/>
-          </a:bodyPr>
-          <a:lstStyle/>
-          <a:p>
-            <a:pPr marL="0" lvl="0" indent="0" algn="l" rtl="0">
-              <a:lnSpc>
-                <a:spcPct val="115000"/>
-              </a:lnSpc>
-              <a:spcBef>
-                <a:spcPts val="1400"/>
-              </a:spcBef>
-              <a:spcAft>
-                <a:spcPts val="0"/>
-              </a:spcAft>
-              <a:buSzPts val="1800"/>
-              <a:buNone/>
-            </a:pPr>
-            <a:r>
-              <a:rPr lang="pt-BR">
-                <a:solidFill>
-                  <a:schemeClr val="dk1"/>
-                </a:solidFill>
-              </a:rPr>
-              <a:t>O DevOps busca a otimização do tempo, usando automação, inovações e muita tecnologia para automatizar processos.</a:t>
-            </a:r>
-            <a:endParaRPr>
-              <a:solidFill>
-                <a:schemeClr val="dk1"/>
-              </a:solidFill>
-            </a:endParaRPr>
-          </a:p>
-          <a:p>
-            <a:pPr marL="0" lvl="0" indent="0" algn="l" rtl="0">
-              <a:lnSpc>
-                <a:spcPct val="115000"/>
-              </a:lnSpc>
-              <a:spcBef>
-                <a:spcPts val="1400"/>
-              </a:spcBef>
-              <a:spcAft>
-                <a:spcPts val="0"/>
-              </a:spcAft>
-              <a:buSzPts val="1800"/>
-              <a:buNone/>
-            </a:pPr>
-            <a:r>
-              <a:rPr lang="pt-BR">
-                <a:solidFill>
-                  <a:schemeClr val="dk1"/>
-                </a:solidFill>
-              </a:rPr>
-              <a:t>Com o uso das ferramentas adequadas, uma equipe de DevOps pode manejar diversos projetos ao mesmo tempo, sem perder a qualidade.</a:t>
-            </a:r>
-            <a:endParaRPr>
-              <a:solidFill>
-                <a:schemeClr val="dk1"/>
-              </a:solidFill>
-            </a:endParaRPr>
-          </a:p>
-          <a:p>
-            <a:pPr marL="0" lvl="0" indent="0" algn="l" rtl="0">
-              <a:lnSpc>
-                <a:spcPct val="115000"/>
-              </a:lnSpc>
-              <a:spcBef>
-                <a:spcPts val="1400"/>
-              </a:spcBef>
-              <a:spcAft>
-                <a:spcPts val="1400"/>
-              </a:spcAft>
-              <a:buSzPts val="1800"/>
-              <a:buNone/>
-            </a:pPr>
-            <a:r>
-              <a:rPr lang="pt-BR">
-                <a:solidFill>
-                  <a:schemeClr val="dk1"/>
-                </a:solidFill>
-              </a:rPr>
-              <a:t>Outra vantagem do DevOps é que ele é voltado para implementações escalonáveis, sendo essencial para empresas que querem crescer mais rapidamente.</a:t>
-            </a:r>
-            <a:endParaRPr/>
-          </a:p>
-        </p:txBody>
-      </p:sp>
-    </p:spTree>
-  </p:cSld>
-  <p:clrMapOvr>
-    <a:masterClrMapping/>
-  </p:clrMapOvr>
-</p:sld>
-</file>
-
-<file path=ppt/slides/slide11.xml><?xml version="1.0" encoding="utf-8"?>
 <p:sld xmlns:a="http://schemas.openxmlformats.org/drawingml/2006/main" xmlns:r="http://schemas.openxmlformats.org/officeDocument/2006/relationships" xmlns:p="http://schemas.openxmlformats.org/presentationml/2006/main">
   <p:cSld>
     <p:spTree>
@@ -11766,7 +10966,7 @@
 </p:sld>
 </file>
 
-<file path=ppt/slides/slide12.xml><?xml version="1.0" encoding="utf-8"?>
+<file path=ppt/slides/slide11.xml><?xml version="1.0" encoding="utf-8"?>
 <p:sld xmlns:a="http://schemas.openxmlformats.org/drawingml/2006/main" xmlns:r="http://schemas.openxmlformats.org/officeDocument/2006/relationships" xmlns:p="http://schemas.openxmlformats.org/presentationml/2006/main">
   <p:cSld>
     <p:spTree>
@@ -11876,51 +11076,24 @@
               <a:buNone/>
             </a:pPr>
             <a:r>
-              <a:rPr lang="pt-BR">
-                <a:solidFill>
-                  <a:schemeClr val="dk1"/>
-                </a:solidFill>
-                <a:highlight>
-                  <a:schemeClr val="lt1"/>
-                </a:highlight>
+              <a:rPr lang="pt-BR" b="1" dirty="0">
+                <a:solidFill>
+                  <a:schemeClr val="tx1"/>
+                </a:solidFill>
               </a:rPr>
-              <a:t>A engenharia de confiabilidade do site (SRE) é uma abordagem de engenharia de software para operações de TI. As equipes de SRE usam o software como uma ferramenta para gerenciar sistemas, resolver problemas e </a:t>
+              <a:t>SRE</a:t>
             </a:r>
             <a:r>
-              <a:rPr lang="pt-BR">
-                <a:solidFill>
-                  <a:schemeClr val="dk1"/>
-                </a:solidFill>
-                <a:highlight>
-                  <a:schemeClr val="lt1"/>
-                </a:highlight>
-                <a:uFill>
-                  <a:noFill/>
-                </a:uFill>
-                <a:hlinkClick r:id="rId3">
-                  <a:extLst>
-                    <a:ext uri="{A12FA001-AC4F-418D-AE19-62706E023703}">
-                      <ahyp:hlinkClr xmlns:ahyp="http://schemas.microsoft.com/office/drawing/2018/hyperlinkcolor" val="tx"/>
-                    </a:ext>
-                  </a:extLst>
-                </a:hlinkClick>
+              <a:rPr lang="pt-BR" dirty="0">
+                <a:solidFill>
+                  <a:schemeClr val="tx1"/>
+                </a:solidFill>
               </a:rPr>
-              <a:t>automatizar</a:t>
+              <a:t> é uma disciplina criada pelo Google que aplica princípios de engenharia de software às operações de sistemas.</a:t>
             </a:r>
-            <a:r>
-              <a:rPr lang="pt-BR">
-                <a:solidFill>
-                  <a:schemeClr val="dk1"/>
-                </a:solidFill>
-                <a:highlight>
-                  <a:schemeClr val="lt1"/>
-                </a:highlight>
-              </a:rPr>
-              <a:t> tarefas operacionais.</a:t>
-            </a:r>
-            <a:endParaRPr sz="2100">
+            <a:endParaRPr lang="pt-BR" dirty="0">
               <a:solidFill>
-                <a:schemeClr val="dk1"/>
+                <a:schemeClr val="tx1"/>
               </a:solidFill>
               <a:highlight>
                 <a:schemeClr val="lt1"/>
@@ -11937,7 +11110,7 @@
 </p:sld>
 </file>
 
-<file path=ppt/slides/slide13.xml><?xml version="1.0" encoding="utf-8"?>
+<file path=ppt/slides/slide12.xml><?xml version="1.0" encoding="utf-8"?>
 <p:sld xmlns:a="http://schemas.openxmlformats.org/drawingml/2006/main" xmlns:r="http://schemas.openxmlformats.org/officeDocument/2006/relationships" xmlns:p="http://schemas.openxmlformats.org/presentationml/2006/main">
   <p:cSld>
     <p:spTree>
@@ -12033,72 +11206,290 @@
           </a:bodyPr>
           <a:lstStyle/>
           <a:p>
-            <a:pPr marL="0" lvl="0" indent="0" algn="l" rtl="0">
-              <a:lnSpc>
-                <a:spcPct val="115000"/>
-              </a:lnSpc>
-              <a:spcBef>
-                <a:spcPts val="0"/>
-              </a:spcBef>
-              <a:spcAft>
-                <a:spcPts val="0"/>
-              </a:spcAft>
-              <a:buSzPts val="1800"/>
+            <a:pPr>
               <a:buNone/>
             </a:pPr>
             <a:r>
-              <a:rPr lang="pt-BR" sz="1500">
-                <a:solidFill>
-                  <a:schemeClr val="dk1"/>
-                </a:solidFill>
-                <a:highlight>
-                  <a:schemeClr val="lt1"/>
-                </a:highlight>
+              <a:rPr lang="pt-BR" sz="1600" dirty="0">
+                <a:solidFill>
+                  <a:schemeClr val="tx1"/>
+                </a:solidFill>
               </a:rPr>
-              <a:t>O SRE pega as tarefas que historicamente eram feitas por equipes de operações, geralmente manualmente, e as entrega a engenheiros ou equipes de operações que usam software e automação para resolver problemas e gerenciar sistemas de produção. </a:t>
+              <a:t>Seu foco principal é:</a:t>
             </a:r>
-            <a:endParaRPr sz="1500">
-              <a:solidFill>
-                <a:schemeClr val="dk1"/>
-              </a:solidFill>
-              <a:highlight>
-                <a:schemeClr val="lt1"/>
-              </a:highlight>
-            </a:endParaRPr>
           </a:p>
           <a:p>
-            <a:pPr marL="0" lvl="0" indent="0" algn="l" rtl="0">
-              <a:lnSpc>
-                <a:spcPct val="115000"/>
-              </a:lnSpc>
-              <a:spcBef>
-                <a:spcPts val="1200"/>
-              </a:spcBef>
-              <a:spcAft>
-                <a:spcPts val="1200"/>
-              </a:spcAft>
-              <a:buSzPts val="1800"/>
-              <a:buNone/>
+            <a:pPr>
+              <a:buFont typeface="Arial" panose="020B0604020202020204" pitchFamily="34" charset="0"/>
+              <a:buChar char="•"/>
             </a:pPr>
             <a:r>
-              <a:rPr lang="pt-BR" sz="1500">
-                <a:solidFill>
-                  <a:schemeClr val="dk1"/>
-                </a:solidFill>
-                <a:highlight>
-                  <a:schemeClr val="lt1"/>
-                </a:highlight>
+              <a:rPr lang="pt-BR" sz="1600" b="1" dirty="0">
+                <a:solidFill>
+                  <a:schemeClr val="tx1"/>
+                </a:solidFill>
               </a:rPr>
-              <a:t>O SRE é uma prática valiosa ao criar sistemas de software escaláveis ​​e altamente confiáveis. Ele ajuda você a gerenciar grandes sistemas por meio de código, que é mais escalável e sustentável para administradores de sistemas que gerenciam milhares ou centenas de milhares de máquinas.</a:t>
+              <a:t>Confiabilidade (</a:t>
             </a:r>
-            <a:endParaRPr sz="1500">
-              <a:solidFill>
-                <a:schemeClr val="dk1"/>
-              </a:solidFill>
-              <a:highlight>
-                <a:schemeClr val="lt1"/>
-              </a:highlight>
-            </a:endParaRPr>
+            <a:r>
+              <a:rPr lang="pt-BR" sz="1600" b="1" dirty="0" err="1">
+                <a:solidFill>
+                  <a:schemeClr val="tx1"/>
+                </a:solidFill>
+              </a:rPr>
+              <a:t>reliability</a:t>
+            </a:r>
+            <a:r>
+              <a:rPr lang="pt-BR" sz="1600" b="1" dirty="0">
+                <a:solidFill>
+                  <a:schemeClr val="tx1"/>
+                </a:solidFill>
+              </a:rPr>
+              <a:t>)</a:t>
+            </a:r>
+            <a:r>
+              <a:rPr lang="pt-BR" sz="1600" dirty="0">
+                <a:solidFill>
+                  <a:schemeClr val="tx1"/>
+                </a:solidFill>
+              </a:rPr>
+              <a:t> do sistema em produção.</a:t>
+            </a:r>
+          </a:p>
+          <a:p>
+            <a:pPr>
+              <a:buFont typeface="Arial" panose="020B0604020202020204" pitchFamily="34" charset="0"/>
+              <a:buChar char="•"/>
+            </a:pPr>
+            <a:r>
+              <a:rPr lang="pt-BR" sz="1600" b="1" dirty="0">
+                <a:solidFill>
+                  <a:schemeClr val="tx1"/>
+                </a:solidFill>
+              </a:rPr>
+              <a:t>Equilíbrio entre inovação e estabilidade</a:t>
+            </a:r>
+            <a:r>
+              <a:rPr lang="pt-BR" sz="1600" dirty="0">
+                <a:solidFill>
+                  <a:schemeClr val="tx1"/>
+                </a:solidFill>
+              </a:rPr>
+              <a:t>, definindo um "nível aceitável de risco".</a:t>
+            </a:r>
+          </a:p>
+          <a:p>
+            <a:pPr>
+              <a:buNone/>
+            </a:pPr>
+            <a:r>
+              <a:rPr lang="pt-BR" sz="1600" dirty="0">
+                <a:solidFill>
+                  <a:schemeClr val="tx1"/>
+                </a:solidFill>
+              </a:rPr>
+              <a:t>🔑 </a:t>
+            </a:r>
+            <a:r>
+              <a:rPr lang="pt-BR" sz="1600" i="1" dirty="0">
+                <a:solidFill>
+                  <a:schemeClr val="tx1"/>
+                </a:solidFill>
+              </a:rPr>
+              <a:t>Pilares do SRE</a:t>
+            </a:r>
+            <a:r>
+              <a:rPr lang="pt-BR" sz="1600" dirty="0">
+                <a:solidFill>
+                  <a:schemeClr val="tx1"/>
+                </a:solidFill>
+              </a:rPr>
+              <a:t>:</a:t>
+            </a:r>
+          </a:p>
+          <a:p>
+            <a:pPr>
+              <a:buFont typeface="Arial" panose="020B0604020202020204" pitchFamily="34" charset="0"/>
+              <a:buChar char="•"/>
+            </a:pPr>
+            <a:r>
+              <a:rPr lang="pt-BR" sz="1600" b="1" dirty="0" err="1">
+                <a:solidFill>
+                  <a:schemeClr val="tx1"/>
+                </a:solidFill>
+              </a:rPr>
+              <a:t>SLOs</a:t>
+            </a:r>
+            <a:r>
+              <a:rPr lang="pt-BR" sz="1600" b="1" dirty="0">
+                <a:solidFill>
+                  <a:schemeClr val="tx1"/>
+                </a:solidFill>
+              </a:rPr>
+              <a:t>/</a:t>
+            </a:r>
+            <a:r>
+              <a:rPr lang="pt-BR" sz="1600" b="1" dirty="0" err="1">
+                <a:solidFill>
+                  <a:schemeClr val="tx1"/>
+                </a:solidFill>
+              </a:rPr>
+              <a:t>SLIs</a:t>
+            </a:r>
+            <a:r>
+              <a:rPr lang="pt-BR" sz="1600" b="1" dirty="0">
+                <a:solidFill>
+                  <a:schemeClr val="tx1"/>
+                </a:solidFill>
+              </a:rPr>
+              <a:t>/</a:t>
+            </a:r>
+            <a:r>
+              <a:rPr lang="pt-BR" sz="1600" b="1" dirty="0" err="1">
+                <a:solidFill>
+                  <a:schemeClr val="tx1"/>
+                </a:solidFill>
+              </a:rPr>
+              <a:t>SLAs</a:t>
+            </a:r>
+            <a:r>
+              <a:rPr lang="pt-BR" sz="1600" dirty="0">
+                <a:solidFill>
+                  <a:schemeClr val="tx1"/>
+                </a:solidFill>
+              </a:rPr>
+              <a:t>: objetivos e indicadores de disponibilidade e desempenho.</a:t>
+            </a:r>
+          </a:p>
+          <a:p>
+            <a:pPr>
+              <a:buFont typeface="Arial" panose="020B0604020202020204" pitchFamily="34" charset="0"/>
+              <a:buChar char="•"/>
+            </a:pPr>
+            <a:r>
+              <a:rPr lang="pt-BR" sz="1600" b="1" dirty="0">
+                <a:solidFill>
+                  <a:schemeClr val="tx1"/>
+                </a:solidFill>
+              </a:rPr>
+              <a:t>Erro orçamentário (</a:t>
+            </a:r>
+            <a:r>
+              <a:rPr lang="pt-BR" sz="1600" b="1" dirty="0" err="1">
+                <a:solidFill>
+                  <a:schemeClr val="tx1"/>
+                </a:solidFill>
+              </a:rPr>
+              <a:t>error</a:t>
+            </a:r>
+            <a:r>
+              <a:rPr lang="pt-BR" sz="1600" b="1" dirty="0">
+                <a:solidFill>
+                  <a:schemeClr val="tx1"/>
+                </a:solidFill>
+              </a:rPr>
+              <a:t> budget)</a:t>
+            </a:r>
+            <a:r>
+              <a:rPr lang="pt-BR" sz="1600" dirty="0">
+                <a:solidFill>
+                  <a:schemeClr val="tx1"/>
+                </a:solidFill>
+              </a:rPr>
+              <a:t>: quanto de falha é tolerável antes de interromper novos lançamentos.</a:t>
+            </a:r>
+          </a:p>
+          <a:p>
+            <a:pPr>
+              <a:buFont typeface="Arial" panose="020B0604020202020204" pitchFamily="34" charset="0"/>
+              <a:buChar char="•"/>
+            </a:pPr>
+            <a:r>
+              <a:rPr lang="pt-BR" sz="1600" b="1" dirty="0">
+                <a:solidFill>
+                  <a:schemeClr val="tx1"/>
+                </a:solidFill>
+              </a:rPr>
+              <a:t>Automatização de tarefas operacionais</a:t>
+            </a:r>
+            <a:r>
+              <a:rPr lang="pt-BR" sz="1600" dirty="0">
+                <a:solidFill>
+                  <a:schemeClr val="tx1"/>
+                </a:solidFill>
+              </a:rPr>
+              <a:t> (reduzir trabalho manual).</a:t>
+            </a:r>
+          </a:p>
+          <a:p>
+            <a:pPr>
+              <a:buFont typeface="Arial" panose="020B0604020202020204" pitchFamily="34" charset="0"/>
+              <a:buChar char="•"/>
+            </a:pPr>
+            <a:r>
+              <a:rPr lang="pt-BR" sz="1600" b="1" dirty="0">
+                <a:solidFill>
+                  <a:schemeClr val="tx1"/>
+                </a:solidFill>
+              </a:rPr>
+              <a:t>Gestão de incidentes e </a:t>
+            </a:r>
+            <a:r>
+              <a:rPr lang="pt-BR" sz="1600" b="1" dirty="0" err="1">
+                <a:solidFill>
+                  <a:schemeClr val="tx1"/>
+                </a:solidFill>
+              </a:rPr>
+              <a:t>pós-mortem</a:t>
+            </a:r>
+            <a:r>
+              <a:rPr lang="pt-BR" sz="1600" b="1" dirty="0">
+                <a:solidFill>
+                  <a:schemeClr val="tx1"/>
+                </a:solidFill>
+              </a:rPr>
+              <a:t> sem culpa</a:t>
+            </a:r>
+            <a:r>
+              <a:rPr lang="pt-BR" sz="1600" dirty="0">
+                <a:solidFill>
+                  <a:schemeClr val="tx1"/>
+                </a:solidFill>
+              </a:rPr>
+              <a:t> (</a:t>
+            </a:r>
+            <a:r>
+              <a:rPr lang="pt-BR" sz="1600" dirty="0" err="1">
+                <a:solidFill>
+                  <a:schemeClr val="tx1"/>
+                </a:solidFill>
+              </a:rPr>
+              <a:t>blameless</a:t>
+            </a:r>
+            <a:r>
+              <a:rPr lang="pt-BR" sz="1600" dirty="0">
+                <a:solidFill>
+                  <a:schemeClr val="tx1"/>
+                </a:solidFill>
+              </a:rPr>
+              <a:t> </a:t>
+            </a:r>
+            <a:r>
+              <a:rPr lang="pt-BR" sz="1600" dirty="0" err="1">
+                <a:solidFill>
+                  <a:schemeClr val="tx1"/>
+                </a:solidFill>
+              </a:rPr>
+              <a:t>postmortems</a:t>
+            </a:r>
+            <a:r>
+              <a:rPr lang="pt-BR" sz="1600" dirty="0">
+                <a:solidFill>
+                  <a:schemeClr val="tx1"/>
+                </a:solidFill>
+              </a:rPr>
+              <a:t>).</a:t>
+            </a:r>
           </a:p>
         </p:txBody>
       </p:sp>
@@ -12110,7 +11501,7 @@
 </p:sld>
 </file>
 
-<file path=ppt/slides/slide14.xml><?xml version="1.0" encoding="utf-8"?>
+<file path=ppt/slides/slide13.xml><?xml version="1.0" encoding="utf-8"?>
 <p:sld xmlns:a="http://schemas.openxmlformats.org/drawingml/2006/main" xmlns:r="http://schemas.openxmlformats.org/officeDocument/2006/relationships" xmlns:p="http://schemas.openxmlformats.org/presentationml/2006/main">
   <p:cSld>
     <p:spTree>
@@ -12413,7 +11804,7 @@
 </p:sld>
 </file>
 
-<file path=ppt/slides/slide15.xml><?xml version="1.0" encoding="utf-8"?>
+<file path=ppt/slides/slide14.xml><?xml version="1.0" encoding="utf-8"?>
 <p:sld xmlns:a="http://schemas.openxmlformats.org/drawingml/2006/main" xmlns:r="http://schemas.openxmlformats.org/officeDocument/2006/relationships" xmlns:p="http://schemas.openxmlformats.org/presentationml/2006/main">
   <p:cSld>
     <p:spTree>
@@ -12556,7 +11947,7 @@
 </p:sld>
 </file>
 
-<file path=ppt/slides/slide16.xml><?xml version="1.0" encoding="utf-8"?>
+<file path=ppt/slides/slide15.xml><?xml version="1.0" encoding="utf-8"?>
 <p:sld xmlns:a="http://schemas.openxmlformats.org/drawingml/2006/main" xmlns:r="http://schemas.openxmlformats.org/officeDocument/2006/relationships" xmlns:p="http://schemas.openxmlformats.org/presentationml/2006/main">
   <p:cSld>
     <p:spTree>
@@ -12652,21 +12043,32 @@
           </a:bodyPr>
           <a:lstStyle/>
           <a:p>
-            <a:pPr marL="0" lvl="0" indent="0" algn="l" rtl="0">
-              <a:lnSpc>
-                <a:spcPct val="115000"/>
-              </a:lnSpc>
-              <a:spcBef>
-                <a:spcPts val="0"/>
-              </a:spcBef>
-              <a:spcAft>
-                <a:spcPts val="1200"/>
-              </a:spcAft>
-              <a:buSzPts val="1800"/>
+            <a:pPr>
               <a:buNone/>
             </a:pPr>
             <a:r>
-              <a:rPr lang="pt-BR">
+              <a:rPr lang="pt-BR" dirty="0">
+                <a:solidFill>
+                  <a:schemeClr val="dk1"/>
+                </a:solidFill>
+                <a:highlight>
+                  <a:schemeClr val="lt1"/>
+                </a:highlight>
+                <a:uFill>
+                  <a:noFill/>
+                </a:uFill>
+                <a:hlinkClick r:id="rId3">
+                  <a:extLst>
+                    <a:ext uri="{A12FA001-AC4F-418D-AE19-62706E023703}">
+                      <ahyp:hlinkClr xmlns:ahyp="http://schemas.microsoft.com/office/drawing/2018/hyperlinkcolor" val="tx"/>
+                    </a:ext>
+                  </a:extLst>
+                </a:hlinkClick>
+              </a:rPr>
+              <a:t>	</a:t>
+            </a:r>
+            <a:r>
+              <a:rPr lang="pt-BR" dirty="0" err="1">
                 <a:solidFill>
                   <a:schemeClr val="dk1"/>
                 </a:solidFill>
@@ -12687,7 +12089,7 @@
               <a:t>DevOps</a:t>
             </a:r>
             <a:r>
-              <a:rPr lang="pt-BR">
+              <a:rPr lang="pt-BR" dirty="0">
                 <a:solidFill>
                   <a:schemeClr val="dk1"/>
                 </a:solidFill>
@@ -12695,9 +12097,139 @@
                   <a:schemeClr val="lt1"/>
                 </a:highlight>
               </a:rPr>
-              <a:t> é uma abordagem de cultura, automação e design de plataforma destinada a fornecer maior valor comercial e capacidade de resposta por meio de entrega de serviços rápida e de alta qualidade. O SRE pode ser considerado uma implementação do DevOps.</a:t>
+              <a:t> é uma abordagem de cultura e está em constante evolução, </a:t>
             </a:r>
-            <a:endParaRPr sz="2100">
+            <a:r>
+              <a:rPr lang="pt-BR" b="1" dirty="0">
+                <a:solidFill>
+                  <a:schemeClr val="dk1"/>
+                </a:solidFill>
+                <a:highlight>
+                  <a:schemeClr val="lt1"/>
+                </a:highlight>
+              </a:rPr>
+              <a:t>SRE</a:t>
+            </a:r>
+            <a:r>
+              <a:rPr lang="pt-BR" dirty="0">
+                <a:solidFill>
+                  <a:schemeClr val="dk1"/>
+                </a:solidFill>
+                <a:highlight>
+                  <a:schemeClr val="lt1"/>
+                </a:highlight>
+              </a:rPr>
+              <a:t> por um outro lado </a:t>
+            </a:r>
+            <a:r>
+              <a:rPr lang="pt-BR" dirty="0">
+                <a:solidFill>
+                  <a:schemeClr val="tx1"/>
+                </a:solidFill>
+              </a:rPr>
+              <a:t>utiliza </a:t>
+            </a:r>
+            <a:r>
+              <a:rPr lang="pt-BR" b="1" dirty="0">
+                <a:solidFill>
+                  <a:schemeClr val="tx1"/>
+                </a:solidFill>
+              </a:rPr>
+              <a:t>vários princípios do </a:t>
+            </a:r>
+            <a:r>
+              <a:rPr lang="pt-BR" b="1" dirty="0" err="1">
+                <a:solidFill>
+                  <a:schemeClr val="tx1"/>
+                </a:solidFill>
+              </a:rPr>
+              <a:t>DevOps</a:t>
+            </a:r>
+            <a:r>
+              <a:rPr lang="pt-BR" dirty="0">
+                <a:solidFill>
+                  <a:schemeClr val="tx1"/>
+                </a:solidFill>
+              </a:rPr>
+              <a:t>, mas com foco mais profundo em </a:t>
+            </a:r>
+            <a:r>
+              <a:rPr lang="pt-BR" b="1" dirty="0">
+                <a:solidFill>
+                  <a:schemeClr val="tx1"/>
+                </a:solidFill>
+              </a:rPr>
+              <a:t>confiabilidade, automação e engenharia de sistemas em produção</a:t>
+            </a:r>
+            <a:r>
+              <a:rPr lang="pt-BR" dirty="0">
+                <a:solidFill>
+                  <a:schemeClr val="tx1"/>
+                </a:solidFill>
+              </a:rPr>
+              <a:t>.</a:t>
+            </a:r>
+          </a:p>
+          <a:p>
+            <a:pPr marL="114300" indent="0">
+              <a:buNone/>
+            </a:pPr>
+            <a:r>
+              <a:rPr lang="pt-BR" dirty="0">
+                <a:solidFill>
+                  <a:schemeClr val="tx1"/>
+                </a:solidFill>
+              </a:rPr>
+              <a:t>     Na prática, </a:t>
+            </a:r>
+            <a:r>
+              <a:rPr lang="pt-BR" b="1" dirty="0">
+                <a:solidFill>
+                  <a:schemeClr val="tx1"/>
+                </a:solidFill>
+              </a:rPr>
+              <a:t>SRE é considerado uma forma de aplicar </a:t>
+            </a:r>
+            <a:r>
+              <a:rPr lang="pt-BR" b="1" dirty="0" err="1">
+                <a:solidFill>
+                  <a:schemeClr val="tx1"/>
+                </a:solidFill>
+              </a:rPr>
+              <a:t>DevOps</a:t>
+            </a:r>
+            <a:r>
+              <a:rPr lang="pt-BR" b="1" dirty="0">
+                <a:solidFill>
+                  <a:schemeClr val="tx1"/>
+                </a:solidFill>
+              </a:rPr>
+              <a:t> com uma abordagem mais prescritiva e baseada em métricas</a:t>
+            </a:r>
+            <a:r>
+              <a:rPr lang="pt-BR" dirty="0">
+                <a:solidFill>
+                  <a:schemeClr val="tx1"/>
+                </a:solidFill>
+              </a:rPr>
+              <a:t>.</a:t>
+            </a:r>
+          </a:p>
+          <a:p>
+            <a:pPr marL="0" lvl="0" indent="0" algn="l" rtl="0">
+              <a:lnSpc>
+                <a:spcPct val="115000"/>
+              </a:lnSpc>
+              <a:spcBef>
+                <a:spcPts val="0"/>
+              </a:spcBef>
+              <a:spcAft>
+                <a:spcPts val="1200"/>
+              </a:spcAft>
+              <a:buSzPts val="1800"/>
+              <a:buNone/>
+            </a:pPr>
+            <a:endParaRPr sz="2100" dirty="0">
               <a:solidFill>
                 <a:schemeClr val="dk1"/>
               </a:solidFill>
@@ -12716,419 +12248,7 @@
 </p:sld>
 </file>
 
-<file path=ppt/slides/slide17.xml><?xml version="1.0" encoding="utf-8"?>
-<p:sld xmlns:a="http://schemas.openxmlformats.org/drawingml/2006/main" xmlns:r="http://schemas.openxmlformats.org/officeDocument/2006/relationships" xmlns:p="http://schemas.openxmlformats.org/presentationml/2006/main">
-  <p:cSld>
-    <p:spTree>
-      <p:nvGrpSpPr>
-        <p:cNvPr id="1" name="Shape 149"/>
-        <p:cNvGrpSpPr/>
-        <p:nvPr/>
-      </p:nvGrpSpPr>
-      <p:grpSpPr>
-        <a:xfrm>
-          <a:off x="0" y="0"/>
-          <a:ext cx="0" cy="0"/>
-          <a:chOff x="0" y="0"/>
-          <a:chExt cx="0" cy="0"/>
-        </a:xfrm>
-      </p:grpSpPr>
-      <p:sp>
-        <p:nvSpPr>
-          <p:cNvPr id="150" name="Google Shape;150;p17"/>
-          <p:cNvSpPr txBox="1">
-            <a:spLocks noGrp="1"/>
-          </p:cNvSpPr>
-          <p:nvPr>
-            <p:ph type="title"/>
-          </p:nvPr>
-        </p:nvSpPr>
-        <p:spPr>
-          <a:xfrm>
-            <a:off x="311700" y="445025"/>
-            <a:ext cx="8520600" cy="572700"/>
-          </a:xfrm>
-          <a:prstGeom prst="rect">
-            <a:avLst/>
-          </a:prstGeom>
-          <a:noFill/>
-          <a:ln>
-            <a:noFill/>
-          </a:ln>
-        </p:spPr>
-        <p:txBody>
-          <a:bodyPr spcFirstLastPara="1" wrap="square" lIns="91425" tIns="91425" rIns="91425" bIns="91425" anchor="t" anchorCtr="0">
-            <a:normAutofit fontScale="90000"/>
-          </a:bodyPr>
-          <a:lstStyle/>
-          <a:p>
-            <a:pPr marL="0" lvl="0" indent="0" algn="l" rtl="0">
-              <a:lnSpc>
-                <a:spcPct val="100000"/>
-              </a:lnSpc>
-              <a:spcBef>
-                <a:spcPts val="0"/>
-              </a:spcBef>
-              <a:spcAft>
-                <a:spcPts val="0"/>
-              </a:spcAft>
-              <a:buSzPct val="111111"/>
-              <a:buNone/>
-            </a:pPr>
-            <a:r>
-              <a:rPr lang="pt-BR"/>
-              <a:t>DevOps x SRE</a:t>
-            </a:r>
-            <a:endParaRPr/>
-          </a:p>
-        </p:txBody>
-      </p:sp>
-      <p:sp>
-        <p:nvSpPr>
-          <p:cNvPr id="151" name="Google Shape;151;p17"/>
-          <p:cNvSpPr txBox="1">
-            <a:spLocks noGrp="1"/>
-          </p:cNvSpPr>
-          <p:nvPr>
-            <p:ph type="body" idx="1"/>
-          </p:nvPr>
-        </p:nvSpPr>
-        <p:spPr>
-          <a:xfrm>
-            <a:off x="311700" y="1152475"/>
-            <a:ext cx="8520600" cy="3416400"/>
-          </a:xfrm>
-          <a:prstGeom prst="rect">
-            <a:avLst/>
-          </a:prstGeom>
-          <a:noFill/>
-          <a:ln>
-            <a:noFill/>
-          </a:ln>
-        </p:spPr>
-        <p:txBody>
-          <a:bodyPr spcFirstLastPara="1" wrap="square" lIns="91425" tIns="91425" rIns="91425" bIns="91425" anchor="t" anchorCtr="0">
-            <a:normAutofit/>
-          </a:bodyPr>
-          <a:lstStyle/>
-          <a:p>
-            <a:pPr marL="0" lvl="0" indent="0" algn="l" rtl="0">
-              <a:lnSpc>
-                <a:spcPct val="115000"/>
-              </a:lnSpc>
-              <a:spcBef>
-                <a:spcPts val="0"/>
-              </a:spcBef>
-              <a:spcAft>
-                <a:spcPts val="0"/>
-              </a:spcAft>
-              <a:buSzPts val="1800"/>
-              <a:buNone/>
-            </a:pPr>
-            <a:r>
-              <a:rPr lang="pt-BR">
-                <a:solidFill>
-                  <a:schemeClr val="dk1"/>
-                </a:solidFill>
-                <a:highlight>
-                  <a:schemeClr val="lt1"/>
-                </a:highlight>
-              </a:rPr>
-              <a:t>Assim como o DevOps, o SRE trata da cultura e dos relacionamentos da equipe. Tanto o SRE quanto o DevOps trabalham para preencher a lacuna entre as equipes de desenvolvimento e operações para fornecer serviços mais rapidamente. </a:t>
-            </a:r>
-            <a:endParaRPr>
-              <a:solidFill>
-                <a:schemeClr val="dk1"/>
-              </a:solidFill>
-              <a:highlight>
-                <a:schemeClr val="lt1"/>
-              </a:highlight>
-            </a:endParaRPr>
-          </a:p>
-          <a:p>
-            <a:pPr marL="0" lvl="0" indent="0" algn="l" rtl="0">
-              <a:lnSpc>
-                <a:spcPct val="115000"/>
-              </a:lnSpc>
-              <a:spcBef>
-                <a:spcPts val="0"/>
-              </a:spcBef>
-              <a:spcAft>
-                <a:spcPts val="0"/>
-              </a:spcAft>
-              <a:buSzPts val="1800"/>
-              <a:buNone/>
-            </a:pPr>
-            <a:r>
-              <a:rPr lang="pt-BR">
-                <a:solidFill>
-                  <a:schemeClr val="dk1"/>
-                </a:solidFill>
-                <a:highlight>
-                  <a:schemeClr val="lt1"/>
-                </a:highlight>
-              </a:rPr>
-              <a:t>Ciclos de vida de desenvolvimento de aplicativos mais rápidos, qualidade e confiabilidade de serviço aprimoradas e tempo de TI reduzido por aplicativo desenvolvido são benefícios que podem ser alcançados pelas práticas de DevOps e SRE.</a:t>
-            </a:r>
-            <a:endParaRPr>
-              <a:solidFill>
-                <a:schemeClr val="dk1"/>
-              </a:solidFill>
-              <a:highlight>
-                <a:schemeClr val="lt1"/>
-              </a:highlight>
-            </a:endParaRPr>
-          </a:p>
-          <a:p>
-            <a:pPr marL="0" lvl="0" indent="0" algn="l" rtl="0">
-              <a:lnSpc>
-                <a:spcPct val="115000"/>
-              </a:lnSpc>
-              <a:spcBef>
-                <a:spcPts val="0"/>
-              </a:spcBef>
-              <a:spcAft>
-                <a:spcPts val="1200"/>
-              </a:spcAft>
-              <a:buSzPts val="1800"/>
-              <a:buNone/>
-            </a:pPr>
-            <a:endParaRPr/>
-          </a:p>
-        </p:txBody>
-      </p:sp>
-    </p:spTree>
-  </p:cSld>
-  <p:clrMapOvr>
-    <a:masterClrMapping/>
-  </p:clrMapOvr>
-</p:sld>
-</file>
-
-<file path=ppt/slides/slide18.xml><?xml version="1.0" encoding="utf-8"?>
-<p:sld xmlns:a="http://schemas.openxmlformats.org/drawingml/2006/main" xmlns:r="http://schemas.openxmlformats.org/officeDocument/2006/relationships" xmlns:p="http://schemas.openxmlformats.org/presentationml/2006/main">
-  <p:cSld>
-    <p:spTree>
-      <p:nvGrpSpPr>
-        <p:cNvPr id="1" name="Shape 155"/>
-        <p:cNvGrpSpPr/>
-        <p:nvPr/>
-      </p:nvGrpSpPr>
-      <p:grpSpPr>
-        <a:xfrm>
-          <a:off x="0" y="0"/>
-          <a:ext cx="0" cy="0"/>
-          <a:chOff x="0" y="0"/>
-          <a:chExt cx="0" cy="0"/>
-        </a:xfrm>
-      </p:grpSpPr>
-      <p:sp>
-        <p:nvSpPr>
-          <p:cNvPr id="156" name="Google Shape;156;p18"/>
-          <p:cNvSpPr txBox="1">
-            <a:spLocks noGrp="1"/>
-          </p:cNvSpPr>
-          <p:nvPr>
-            <p:ph type="title"/>
-          </p:nvPr>
-        </p:nvSpPr>
-        <p:spPr>
-          <a:xfrm>
-            <a:off x="311700" y="445025"/>
-            <a:ext cx="8520600" cy="572700"/>
-          </a:xfrm>
-          <a:prstGeom prst="rect">
-            <a:avLst/>
-          </a:prstGeom>
-          <a:noFill/>
-          <a:ln>
-            <a:noFill/>
-          </a:ln>
-        </p:spPr>
-        <p:txBody>
-          <a:bodyPr spcFirstLastPara="1" wrap="square" lIns="91425" tIns="91425" rIns="91425" bIns="91425" anchor="t" anchorCtr="0">
-            <a:normAutofit fontScale="90000"/>
-          </a:bodyPr>
-          <a:lstStyle/>
-          <a:p>
-            <a:pPr marL="0" lvl="0" indent="0" algn="l" rtl="0">
-              <a:lnSpc>
-                <a:spcPct val="100000"/>
-              </a:lnSpc>
-              <a:spcBef>
-                <a:spcPts val="0"/>
-              </a:spcBef>
-              <a:spcAft>
-                <a:spcPts val="0"/>
-              </a:spcAft>
-              <a:buSzPct val="111111"/>
-              <a:buNone/>
-            </a:pPr>
-            <a:r>
-              <a:rPr lang="pt-BR"/>
-              <a:t>DevOps x SRE</a:t>
-            </a:r>
-            <a:endParaRPr/>
-          </a:p>
-        </p:txBody>
-      </p:sp>
-      <p:sp>
-        <p:nvSpPr>
-          <p:cNvPr id="157" name="Google Shape;157;p18"/>
-          <p:cNvSpPr txBox="1">
-            <a:spLocks noGrp="1"/>
-          </p:cNvSpPr>
-          <p:nvPr>
-            <p:ph type="body" idx="1"/>
-          </p:nvPr>
-        </p:nvSpPr>
-        <p:spPr>
-          <a:xfrm>
-            <a:off x="311700" y="1152475"/>
-            <a:ext cx="8520600" cy="3416400"/>
-          </a:xfrm>
-          <a:prstGeom prst="rect">
-            <a:avLst/>
-          </a:prstGeom>
-          <a:noFill/>
-          <a:ln>
-            <a:noFill/>
-          </a:ln>
-        </p:spPr>
-        <p:txBody>
-          <a:bodyPr spcFirstLastPara="1" wrap="square" lIns="91425" tIns="91425" rIns="91425" bIns="91425" anchor="t" anchorCtr="0">
-            <a:normAutofit/>
-          </a:bodyPr>
-          <a:lstStyle/>
-          <a:p>
-            <a:pPr marL="0" lvl="0" indent="0" algn="l" rtl="0">
-              <a:lnSpc>
-                <a:spcPct val="115000"/>
-              </a:lnSpc>
-              <a:spcBef>
-                <a:spcPts val="0"/>
-              </a:spcBef>
-              <a:spcAft>
-                <a:spcPts val="0"/>
-              </a:spcAft>
-              <a:buSzPts val="1800"/>
-              <a:buNone/>
-            </a:pPr>
-            <a:r>
-              <a:rPr lang="pt-BR">
-                <a:solidFill>
-                  <a:schemeClr val="dk1"/>
-                </a:solidFill>
-                <a:highlight>
-                  <a:schemeClr val="lt1"/>
-                </a:highlight>
-              </a:rPr>
-              <a:t>O SRE é diferente porque conta com engenheiros de confiabilidade do site dentro da equipe de desenvolvimento, que também têm experiência em operações para remover problemas de comunicação e fluxo de trabalho.</a:t>
-            </a:r>
-            <a:endParaRPr>
-              <a:solidFill>
-                <a:schemeClr val="dk1"/>
-              </a:solidFill>
-              <a:highlight>
-                <a:schemeClr val="lt1"/>
-              </a:highlight>
-            </a:endParaRPr>
-          </a:p>
-          <a:p>
-            <a:pPr marL="0" lvl="0" indent="0" algn="l" rtl="0">
-              <a:lnSpc>
-                <a:spcPct val="115000"/>
-              </a:lnSpc>
-              <a:spcBef>
-                <a:spcPts val="0"/>
-              </a:spcBef>
-              <a:spcAft>
-                <a:spcPts val="0"/>
-              </a:spcAft>
-              <a:buSzPts val="1800"/>
-              <a:buNone/>
-            </a:pPr>
-            <a:r>
-              <a:rPr lang="pt-BR">
-                <a:solidFill>
-                  <a:schemeClr val="dk1"/>
-                </a:solidFill>
-                <a:highlight>
-                  <a:schemeClr val="lt1"/>
-                </a:highlight>
-              </a:rPr>
-              <a:t>A própria função de engenheiro de confiabilidade do site combina o conjunto de habilidades das equipes de desenvolvimento e das equipes de operações, exigindo uma sobreposição de responsabilidades. </a:t>
-            </a:r>
-            <a:endParaRPr>
-              <a:solidFill>
-                <a:schemeClr val="dk1"/>
-              </a:solidFill>
-              <a:highlight>
-                <a:schemeClr val="lt1"/>
-              </a:highlight>
-            </a:endParaRPr>
-          </a:p>
-          <a:p>
-            <a:pPr marL="0" lvl="0" indent="0" algn="l" rtl="0">
-              <a:lnSpc>
-                <a:spcPct val="115000"/>
-              </a:lnSpc>
-              <a:spcBef>
-                <a:spcPts val="0"/>
-              </a:spcBef>
-              <a:spcAft>
-                <a:spcPts val="0"/>
-              </a:spcAft>
-              <a:buSzPts val="1800"/>
-              <a:buNone/>
-            </a:pPr>
-            <a:r>
-              <a:rPr lang="pt-BR">
-                <a:solidFill>
-                  <a:schemeClr val="dk1"/>
-                </a:solidFill>
-                <a:highlight>
-                  <a:schemeClr val="lt1"/>
-                </a:highlight>
-              </a:rPr>
-              <a:t>O SRE pode ajudar as equipes de DevOps cujos desenvolvedores estão sobrecarregados com tarefas operacionais e precisam de alguém com habilidades operacionais mais especializadas. </a:t>
-            </a:r>
-            <a:endParaRPr>
-              <a:solidFill>
-                <a:schemeClr val="dk1"/>
-              </a:solidFill>
-              <a:highlight>
-                <a:schemeClr val="lt1"/>
-              </a:highlight>
-            </a:endParaRPr>
-          </a:p>
-          <a:p>
-            <a:pPr marL="0" lvl="0" indent="0" algn="l" rtl="0">
-              <a:lnSpc>
-                <a:spcPct val="115000"/>
-              </a:lnSpc>
-              <a:spcBef>
-                <a:spcPts val="0"/>
-              </a:spcBef>
-              <a:spcAft>
-                <a:spcPts val="1200"/>
-              </a:spcAft>
-              <a:buSzPts val="1800"/>
-              <a:buNone/>
-            </a:pPr>
-            <a:endParaRPr/>
-          </a:p>
-        </p:txBody>
-      </p:sp>
-    </p:spTree>
-  </p:cSld>
-  <p:clrMapOvr>
-    <a:masterClrMapping/>
-  </p:clrMapOvr>
-</p:sld>
-</file>
-
-<file path=ppt/slides/slide19.xml><?xml version="1.0" encoding="utf-8"?>
+<file path=ppt/slides/slide16.xml><?xml version="1.0" encoding="utf-8"?>
 <p:sld xmlns:a="http://schemas.openxmlformats.org/drawingml/2006/main" xmlns:r="http://schemas.openxmlformats.org/officeDocument/2006/relationships" xmlns:p="http://schemas.openxmlformats.org/presentationml/2006/main">
   <p:cSld>
     <p:spTree>
@@ -13224,38 +12344,141 @@
           </a:bodyPr>
           <a:lstStyle/>
           <a:p>
-            <a:pPr marL="0" lvl="0" indent="0" algn="l" rtl="0">
-              <a:lnSpc>
-                <a:spcPct val="115000"/>
-              </a:lnSpc>
-              <a:spcBef>
-                <a:spcPts val="0"/>
-              </a:spcBef>
-              <a:spcAft>
-                <a:spcPts val="1200"/>
-              </a:spcAft>
-              <a:buSzPts val="1800"/>
+            <a:pPr>
               <a:buNone/>
             </a:pPr>
             <a:r>
-              <a:rPr lang="pt-BR">
-                <a:solidFill>
-                  <a:schemeClr val="dk1"/>
-                </a:solidFill>
-                <a:highlight>
-                  <a:schemeClr val="lt1"/>
-                </a:highlight>
+              <a:rPr lang="pt-BR" b="1" dirty="0">
+                <a:solidFill>
+                  <a:schemeClr val="tx1"/>
+                </a:solidFill>
               </a:rPr>
-              <a:t>Em termos de código e novos recursos, o DevOps se concentra em percorrer o pipeline de desenvolvimento com eficiência, enquanto o SRE se concentra em equilibrar a confiabilidade do site com a criação de novos recursos. </a:t>
+              <a:t>📌 Diferença principal:</a:t>
             </a:r>
-            <a:endParaRPr sz="2100">
-              <a:solidFill>
-                <a:schemeClr val="dk1"/>
-              </a:solidFill>
-              <a:highlight>
-                <a:schemeClr val="lt1"/>
-              </a:highlight>
-            </a:endParaRPr>
+          </a:p>
+          <a:p>
+            <a:pPr>
+              <a:buFont typeface="Arial" panose="020B0604020202020204" pitchFamily="34" charset="0"/>
+              <a:buChar char="•"/>
+            </a:pPr>
+            <a:r>
+              <a:rPr lang="pt-BR" b="1" dirty="0" err="1">
+                <a:solidFill>
+                  <a:schemeClr val="tx1"/>
+                </a:solidFill>
+              </a:rPr>
+              <a:t>DevOps</a:t>
+            </a:r>
+            <a:r>
+              <a:rPr lang="pt-BR" dirty="0">
+                <a:solidFill>
+                  <a:schemeClr val="tx1"/>
+                </a:solidFill>
+              </a:rPr>
+              <a:t> é uma filosofia mais </a:t>
+            </a:r>
+            <a:r>
+              <a:rPr lang="pt-BR" b="1" dirty="0">
+                <a:solidFill>
+                  <a:schemeClr val="tx1"/>
+                </a:solidFill>
+              </a:rPr>
+              <a:t>ampla e cultural</a:t>
+            </a:r>
+            <a:r>
+              <a:rPr lang="pt-BR" dirty="0">
+                <a:solidFill>
+                  <a:schemeClr val="tx1"/>
+                </a:solidFill>
+              </a:rPr>
+              <a:t>, enquanto</a:t>
+            </a:r>
+          </a:p>
+          <a:p>
+            <a:pPr>
+              <a:buFont typeface="Arial" panose="020B0604020202020204" pitchFamily="34" charset="0"/>
+              <a:buChar char="•"/>
+            </a:pPr>
+            <a:r>
+              <a:rPr lang="pt-BR" b="1" dirty="0">
+                <a:solidFill>
+                  <a:schemeClr val="tx1"/>
+                </a:solidFill>
+              </a:rPr>
+              <a:t>SRE</a:t>
+            </a:r>
+            <a:r>
+              <a:rPr lang="pt-BR" dirty="0">
+                <a:solidFill>
+                  <a:schemeClr val="tx1"/>
+                </a:solidFill>
+              </a:rPr>
+              <a:t> é uma </a:t>
+            </a:r>
+            <a:r>
+              <a:rPr lang="pt-BR" b="1" dirty="0">
+                <a:solidFill>
+                  <a:schemeClr val="tx1"/>
+                </a:solidFill>
+              </a:rPr>
+              <a:t>disciplina prática</a:t>
+            </a:r>
+            <a:r>
+              <a:rPr lang="pt-BR" dirty="0">
+                <a:solidFill>
+                  <a:schemeClr val="tx1"/>
+                </a:solidFill>
+              </a:rPr>
+              <a:t>, com métodos claros (como orçamentos de erro, </a:t>
+            </a:r>
+            <a:r>
+              <a:rPr lang="pt-BR" dirty="0" err="1">
+                <a:solidFill>
+                  <a:schemeClr val="tx1"/>
+                </a:solidFill>
+              </a:rPr>
+              <a:t>SLIs</a:t>
+            </a:r>
+            <a:r>
+              <a:rPr lang="pt-BR" dirty="0">
+                <a:solidFill>
+                  <a:schemeClr val="tx1"/>
+                </a:solidFill>
+              </a:rPr>
+              <a:t>/</a:t>
+            </a:r>
+            <a:r>
+              <a:rPr lang="pt-BR" dirty="0" err="1">
+                <a:solidFill>
+                  <a:schemeClr val="tx1"/>
+                </a:solidFill>
+              </a:rPr>
+              <a:t>SLOs</a:t>
+            </a:r>
+            <a:r>
+              <a:rPr lang="pt-BR" dirty="0">
+                <a:solidFill>
+                  <a:schemeClr val="tx1"/>
+                </a:solidFill>
+              </a:rPr>
+              <a:t>, eliminação de </a:t>
+            </a:r>
+            <a:r>
+              <a:rPr lang="pt-BR" dirty="0" err="1">
+                <a:solidFill>
+                  <a:schemeClr val="tx1"/>
+                </a:solidFill>
+              </a:rPr>
+              <a:t>toil</a:t>
+            </a:r>
+            <a:r>
+              <a:rPr lang="pt-BR" dirty="0">
+                <a:solidFill>
+                  <a:schemeClr val="tx1"/>
+                </a:solidFill>
+              </a:rPr>
+              <a:t>).</a:t>
+            </a:r>
           </a:p>
         </p:txBody>
       </p:sp>
@@ -13377,15 +12600,23 @@
               <a:buNone/>
             </a:pPr>
             <a:r>
-              <a:rPr lang="pt-BR">
+              <a:rPr lang="pt-BR" dirty="0" err="1">
                 <a:solidFill>
                   <a:schemeClr val="dk1"/>
                 </a:solidFill>
               </a:rPr>
-              <a:t>DevOps é a união de práticas, ferramentas, metodologias e filosofias culturais das áreas de Desenvolvimento de Softwares, Operações em Infraestrutura e </a:t>
+              <a:t>DevOps</a:t>
             </a:r>
             <a:r>
-              <a:rPr lang="pt-BR" i="1">
+              <a:rPr lang="pt-BR" dirty="0">
+                <a:solidFill>
+                  <a:schemeClr val="dk1"/>
+                </a:solidFill>
+              </a:rPr>
+              <a:t> é a união de práticas, ferramentas, metodologias e filosofias culturais das áreas de Desenvolvimento de Softwares, Operações em Infraestrutura e </a:t>
+            </a:r>
+            <a:r>
+              <a:rPr lang="pt-BR" i="1" dirty="0" err="1">
                 <a:solidFill>
                   <a:schemeClr val="dk1"/>
                 </a:solidFill>
@@ -13393,7 +12624,7 @@
               <a:t>Sysadmin</a:t>
             </a:r>
             <a:r>
-              <a:rPr lang="pt-BR">
+              <a:rPr lang="pt-BR" dirty="0">
                 <a:solidFill>
                   <a:schemeClr val="dk1"/>
                 </a:solidFill>
@@ -13401,22 +12632,38 @@
               <a:t>, além de </a:t>
             </a:r>
             <a:r>
-              <a:rPr lang="pt-BR" i="1">
+              <a:rPr lang="pt-BR" i="1" dirty="0" err="1">
                 <a:solidFill>
                   <a:schemeClr val="dk1"/>
                 </a:solidFill>
               </a:rPr>
-              <a:t>Quality Assurance</a:t>
+              <a:t>Quality</a:t>
             </a:r>
             <a:r>
-              <a:rPr lang="pt-BR">
+              <a:rPr lang="pt-BR" i="1" dirty="0">
+                <a:solidFill>
+                  <a:schemeClr val="dk1"/>
+                </a:solidFill>
+              </a:rPr>
+              <a:t> </a:t>
+            </a:r>
+            <a:r>
+              <a:rPr lang="pt-BR" i="1" dirty="0" err="1">
+                <a:solidFill>
+                  <a:schemeClr val="dk1"/>
+                </a:solidFill>
+              </a:rPr>
+              <a:t>Assurance</a:t>
+            </a:r>
+            <a:r>
+              <a:rPr lang="pt-BR" dirty="0">
                 <a:solidFill>
                   <a:schemeClr val="dk1"/>
                 </a:solidFill>
               </a:rPr>
               <a:t>, ou Controle de Qualidade.</a:t>
             </a:r>
-            <a:endParaRPr>
+            <a:endParaRPr dirty="0">
               <a:solidFill>
                 <a:schemeClr val="dk1"/>
               </a:solidFill>
@@ -13437,336 +12684,30 @@
               <a:buNone/>
             </a:pPr>
             <a:r>
-              <a:rPr lang="pt-BR">
+              <a:rPr lang="pt-BR" dirty="0">
                 <a:solidFill>
                   <a:schemeClr val="dk1"/>
                 </a:solidFill>
               </a:rPr>
-              <a:t>O DevOps é uma forma de organização de trabalho criada para manter nas empresas uma metodologia de aprendizagem contínua e uma cultura de experimentação para melhorar, em todos os sentidos, a transformação digital.</a:t>
-            </a:r>
-            <a:endParaRPr/>
-          </a:p>
-        </p:txBody>
-      </p:sp>
-    </p:spTree>
-  </p:cSld>
-  <p:clrMapOvr>
-    <a:masterClrMapping/>
-  </p:clrMapOvr>
-</p:sld>
-</file>
-
-<file path=ppt/slides/slide20.xml><?xml version="1.0" encoding="utf-8"?>
-<p:sld xmlns:a="http://schemas.openxmlformats.org/drawingml/2006/main" xmlns:r="http://schemas.openxmlformats.org/officeDocument/2006/relationships" xmlns:p="http://schemas.openxmlformats.org/presentationml/2006/main">
-  <p:cSld>
-    <p:spTree>
-      <p:nvGrpSpPr>
-        <p:cNvPr id="1" name="Shape 167"/>
-        <p:cNvGrpSpPr/>
-        <p:nvPr/>
-      </p:nvGrpSpPr>
-      <p:grpSpPr>
-        <a:xfrm>
-          <a:off x="0" y="0"/>
-          <a:ext cx="0" cy="0"/>
-          <a:chOff x="0" y="0"/>
-          <a:chExt cx="0" cy="0"/>
-        </a:xfrm>
-      </p:grpSpPr>
-      <p:sp>
-        <p:nvSpPr>
-          <p:cNvPr id="168" name="Google Shape;168;p20"/>
-          <p:cNvSpPr txBox="1">
-            <a:spLocks noGrp="1"/>
-          </p:cNvSpPr>
-          <p:nvPr>
-            <p:ph type="title"/>
-          </p:nvPr>
-        </p:nvSpPr>
-        <p:spPr>
-          <a:xfrm>
-            <a:off x="311700" y="445025"/>
-            <a:ext cx="8520600" cy="572700"/>
-          </a:xfrm>
-          <a:prstGeom prst="rect">
-            <a:avLst/>
-          </a:prstGeom>
-          <a:noFill/>
-          <a:ln>
-            <a:noFill/>
-          </a:ln>
-        </p:spPr>
-        <p:txBody>
-          <a:bodyPr spcFirstLastPara="1" wrap="square" lIns="91425" tIns="91425" rIns="91425" bIns="91425" anchor="t" anchorCtr="0">
-            <a:normAutofit fontScale="90000"/>
-          </a:bodyPr>
-          <a:lstStyle/>
-          <a:p>
-            <a:pPr marL="0" lvl="0" indent="0" algn="l" rtl="0">
-              <a:lnSpc>
-                <a:spcPct val="100000"/>
-              </a:lnSpc>
-              <a:spcBef>
-                <a:spcPts val="0"/>
-              </a:spcBef>
-              <a:spcAft>
-                <a:spcPts val="0"/>
-              </a:spcAft>
-              <a:buSzPct val="111111"/>
-              <a:buNone/>
-            </a:pPr>
-            <a:r>
-              <a:rPr lang="pt-BR"/>
-              <a:t>Mercado de Trabalho</a:t>
-            </a:r>
-            <a:endParaRPr/>
-          </a:p>
-        </p:txBody>
-      </p:sp>
-      <p:sp>
-        <p:nvSpPr>
-          <p:cNvPr id="169" name="Google Shape;169;p20"/>
-          <p:cNvSpPr txBox="1">
-            <a:spLocks noGrp="1"/>
-          </p:cNvSpPr>
-          <p:nvPr>
-            <p:ph type="body" idx="1"/>
-          </p:nvPr>
-        </p:nvSpPr>
-        <p:spPr>
-          <a:xfrm>
-            <a:off x="311700" y="1152475"/>
-            <a:ext cx="8520600" cy="3416400"/>
-          </a:xfrm>
-          <a:prstGeom prst="rect">
-            <a:avLst/>
-          </a:prstGeom>
-          <a:noFill/>
-          <a:ln>
-            <a:noFill/>
-          </a:ln>
-        </p:spPr>
-        <p:txBody>
-          <a:bodyPr spcFirstLastPara="1" wrap="square" lIns="91425" tIns="91425" rIns="91425" bIns="91425" anchor="t" anchorCtr="0">
-            <a:normAutofit/>
-          </a:bodyPr>
-          <a:lstStyle/>
-          <a:p>
-            <a:pPr marL="0" lvl="0" indent="0" algn="l" rtl="0">
-              <a:lnSpc>
-                <a:spcPct val="115000"/>
-              </a:lnSpc>
-              <a:spcBef>
-                <a:spcPts val="0"/>
-              </a:spcBef>
-              <a:spcAft>
-                <a:spcPts val="1200"/>
-              </a:spcAft>
-              <a:buSzPts val="1800"/>
-              <a:buNone/>
-            </a:pPr>
-            <a:r>
-              <a:rPr lang="pt-BR">
-                <a:solidFill>
-                  <a:schemeClr val="dk1"/>
-                </a:solidFill>
-              </a:rPr>
-              <a:t>O mercado de trabalho já havia déficit de profissionais antes da pandemia, porém com a pandemia isso aumentou bem mais. Mas qual foi o motivo? </a:t>
+              <a:t>O </a:t>
             </a:r>
             <a:r>
-              <a:rPr lang="pt-BR"/>
-              <a:t> </a:t>
+              <a:rPr lang="pt-BR" dirty="0" err="1">
+                <a:solidFill>
+                  <a:schemeClr val="dk1"/>
+                </a:solidFill>
+              </a:rPr>
+              <a:t>DevOps</a:t>
             </a:r>
-            <a:endParaRPr/>
-          </a:p>
-        </p:txBody>
-      </p:sp>
-    </p:spTree>
-  </p:cSld>
-  <p:clrMapOvr>
-    <a:masterClrMapping/>
-  </p:clrMapOvr>
-</p:sld>
-</file>
-
-<file path=ppt/slides/slide21.xml><?xml version="1.0" encoding="utf-8"?>
-<p:sld xmlns:a="http://schemas.openxmlformats.org/drawingml/2006/main" xmlns:r="http://schemas.openxmlformats.org/officeDocument/2006/relationships" xmlns:p="http://schemas.openxmlformats.org/presentationml/2006/main">
-  <p:cSld>
-    <p:spTree>
-      <p:nvGrpSpPr>
-        <p:cNvPr id="1" name="Shape 173"/>
-        <p:cNvGrpSpPr/>
-        <p:nvPr/>
-      </p:nvGrpSpPr>
-      <p:grpSpPr>
-        <a:xfrm>
-          <a:off x="0" y="0"/>
-          <a:ext cx="0" cy="0"/>
-          <a:chOff x="0" y="0"/>
-          <a:chExt cx="0" cy="0"/>
-        </a:xfrm>
-      </p:grpSpPr>
-      <p:sp>
-        <p:nvSpPr>
-          <p:cNvPr id="174" name="Google Shape;174;p21"/>
-          <p:cNvSpPr txBox="1">
-            <a:spLocks noGrp="1"/>
-          </p:cNvSpPr>
-          <p:nvPr>
-            <p:ph type="title"/>
-          </p:nvPr>
-        </p:nvSpPr>
-        <p:spPr>
-          <a:xfrm>
-            <a:off x="311700" y="445025"/>
-            <a:ext cx="8520600" cy="572700"/>
-          </a:xfrm>
-          <a:prstGeom prst="rect">
-            <a:avLst/>
-          </a:prstGeom>
-          <a:noFill/>
-          <a:ln>
-            <a:noFill/>
-          </a:ln>
-        </p:spPr>
-        <p:txBody>
-          <a:bodyPr spcFirstLastPara="1" wrap="square" lIns="91425" tIns="91425" rIns="91425" bIns="91425" anchor="t" anchorCtr="0">
-            <a:normAutofit fontScale="90000"/>
-          </a:bodyPr>
-          <a:lstStyle/>
-          <a:p>
-            <a:pPr marL="0" lvl="0" indent="0" algn="l" rtl="0">
-              <a:lnSpc>
-                <a:spcPct val="100000"/>
-              </a:lnSpc>
-              <a:spcBef>
-                <a:spcPts val="0"/>
-              </a:spcBef>
-              <a:spcAft>
-                <a:spcPts val="0"/>
-              </a:spcAft>
-              <a:buSzPct val="111111"/>
-              <a:buNone/>
-            </a:pPr>
             <a:r>
-              <a:rPr lang="pt-BR"/>
-              <a:t>Mercado de Trabalho</a:t>
+              <a:rPr lang="pt-BR" dirty="0">
+                <a:solidFill>
+                  <a:schemeClr val="dk1"/>
+                </a:solidFill>
+              </a:rPr>
+              <a:t> é uma filosofia cultura e está em constante evolução e um conjunto de práticas que promovem Integração entre times, automação de processos CI/CD cultura entre outros.</a:t>
             </a:r>
-            <a:endParaRPr/>
-          </a:p>
-        </p:txBody>
-      </p:sp>
-      <p:sp>
-        <p:nvSpPr>
-          <p:cNvPr id="175" name="Google Shape;175;p21"/>
-          <p:cNvSpPr txBox="1">
-            <a:spLocks noGrp="1"/>
-          </p:cNvSpPr>
-          <p:nvPr>
-            <p:ph type="body" idx="1"/>
-          </p:nvPr>
-        </p:nvSpPr>
-        <p:spPr>
-          <a:xfrm>
-            <a:off x="311700" y="1152475"/>
-            <a:ext cx="8520600" cy="3416400"/>
-          </a:xfrm>
-          <a:prstGeom prst="rect">
-            <a:avLst/>
-          </a:prstGeom>
-          <a:noFill/>
-          <a:ln>
-            <a:noFill/>
-          </a:ln>
-        </p:spPr>
-        <p:txBody>
-          <a:bodyPr spcFirstLastPara="1" wrap="square" lIns="91425" tIns="91425" rIns="91425" bIns="91425" anchor="t" anchorCtr="0">
-            <a:normAutofit/>
-          </a:bodyPr>
-          <a:lstStyle/>
-          <a:p>
-            <a:pPr marL="0" lvl="0" indent="0" algn="l" rtl="0">
-              <a:lnSpc>
-                <a:spcPct val="115000"/>
-              </a:lnSpc>
-              <a:spcBef>
-                <a:spcPts val="0"/>
-              </a:spcBef>
-              <a:spcAft>
-                <a:spcPts val="0"/>
-              </a:spcAft>
-              <a:buSzPts val="1800"/>
-              <a:buNone/>
-            </a:pPr>
-            <a:r>
-              <a:rPr lang="pt-BR">
-                <a:solidFill>
-                  <a:schemeClr val="dk1"/>
-                </a:solidFill>
-              </a:rPr>
-              <a:t>A pandemia acelerou a digitalização em vários setores no mercado, desde a área bancária, até a área da educação… </a:t>
-            </a:r>
-            <a:endParaRPr>
-              <a:solidFill>
-                <a:schemeClr val="dk1"/>
-              </a:solidFill>
-            </a:endParaRPr>
-          </a:p>
-          <a:p>
-            <a:pPr marL="0" lvl="0" indent="0" algn="l" rtl="0">
-              <a:lnSpc>
-                <a:spcPct val="115000"/>
-              </a:lnSpc>
-              <a:spcBef>
-                <a:spcPts val="1200"/>
-              </a:spcBef>
-              <a:spcAft>
-                <a:spcPts val="0"/>
-              </a:spcAft>
-              <a:buSzPts val="1800"/>
-              <a:buNone/>
-            </a:pPr>
-            <a:r>
-              <a:rPr lang="pt-BR">
-                <a:solidFill>
-                  <a:schemeClr val="dk1"/>
-                </a:solidFill>
-              </a:rPr>
-              <a:t>Mesmo com o “boom” da pandemia já passado, hoje ainda há muitas vagas em diversas empresas, pois essa digitalização que a pandemia fez ocorrer,na verdade ela só acelerou algo que já era previsto, mas por conta dessa aceleração o mercado demandou mais profissionais.</a:t>
-            </a:r>
-            <a:endParaRPr>
-              <a:solidFill>
-                <a:schemeClr val="dk1"/>
-              </a:solidFill>
-            </a:endParaRPr>
-          </a:p>
-          <a:p>
-            <a:pPr marL="0" lvl="0" indent="0" algn="l" rtl="0">
-              <a:lnSpc>
-                <a:spcPct val="115000"/>
-              </a:lnSpc>
-              <a:spcBef>
-                <a:spcPts val="1200"/>
-              </a:spcBef>
-              <a:spcAft>
-                <a:spcPts val="1200"/>
-              </a:spcAft>
-              <a:buSzPts val="1800"/>
-              <a:buNone/>
-            </a:pPr>
-            <a:r>
-              <a:rPr lang="pt-BR">
-                <a:solidFill>
-                  <a:schemeClr val="dk1"/>
-                </a:solidFill>
-              </a:rPr>
-              <a:t>Desta forma, pode ter certeza que se é um profissional bom, dedicado terá um ótimo mercado em crescimento no país.</a:t>
-            </a:r>
-            <a:endParaRPr>
-              <a:solidFill>
-                <a:schemeClr val="dk1"/>
-              </a:solidFill>
-            </a:endParaRPr>
+            <a:endParaRPr dirty="0"/>
           </a:p>
         </p:txBody>
       </p:sp>
@@ -13779,135 +12720,6 @@
 </file>
 
 <file path=ppt/slides/slide3.xml><?xml version="1.0" encoding="utf-8"?>
-<p:sld xmlns:a="http://schemas.openxmlformats.org/drawingml/2006/main" xmlns:r="http://schemas.openxmlformats.org/officeDocument/2006/relationships" xmlns:p="http://schemas.openxmlformats.org/presentationml/2006/main">
-  <p:cSld>
-    <p:spTree>
-      <p:nvGrpSpPr>
-        <p:cNvPr id="1" name="Shape 65"/>
-        <p:cNvGrpSpPr/>
-        <p:nvPr/>
-      </p:nvGrpSpPr>
-      <p:grpSpPr>
-        <a:xfrm>
-          <a:off x="0" y="0"/>
-          <a:ext cx="0" cy="0"/>
-          <a:chOff x="0" y="0"/>
-          <a:chExt cx="0" cy="0"/>
-        </a:xfrm>
-      </p:grpSpPr>
-      <p:sp>
-        <p:nvSpPr>
-          <p:cNvPr id="66" name="Google Shape;66;p3"/>
-          <p:cNvSpPr txBox="1">
-            <a:spLocks noGrp="1"/>
-          </p:cNvSpPr>
-          <p:nvPr>
-            <p:ph type="title"/>
-          </p:nvPr>
-        </p:nvSpPr>
-        <p:spPr>
-          <a:xfrm>
-            <a:off x="311700" y="445025"/>
-            <a:ext cx="8520600" cy="572700"/>
-          </a:xfrm>
-          <a:prstGeom prst="rect">
-            <a:avLst/>
-          </a:prstGeom>
-          <a:noFill/>
-          <a:ln>
-            <a:noFill/>
-          </a:ln>
-        </p:spPr>
-        <p:txBody>
-          <a:bodyPr spcFirstLastPara="1" wrap="square" lIns="91425" tIns="91425" rIns="91425" bIns="91425" anchor="t" anchorCtr="0">
-            <a:normAutofit fontScale="90000"/>
-          </a:bodyPr>
-          <a:lstStyle/>
-          <a:p>
-            <a:pPr marL="0" lvl="0" indent="0" algn="l" rtl="0">
-              <a:lnSpc>
-                <a:spcPct val="100000"/>
-              </a:lnSpc>
-              <a:spcBef>
-                <a:spcPts val="0"/>
-              </a:spcBef>
-              <a:spcAft>
-                <a:spcPts val="0"/>
-              </a:spcAft>
-              <a:buSzPct val="111111"/>
-              <a:buNone/>
-            </a:pPr>
-            <a:r>
-              <a:rPr lang="pt-BR"/>
-              <a:t>DevOps</a:t>
-            </a:r>
-            <a:endParaRPr/>
-          </a:p>
-        </p:txBody>
-      </p:sp>
-      <p:sp>
-        <p:nvSpPr>
-          <p:cNvPr id="67" name="Google Shape;67;p3"/>
-          <p:cNvSpPr txBox="1">
-            <a:spLocks noGrp="1"/>
-          </p:cNvSpPr>
-          <p:nvPr>
-            <p:ph type="body" idx="1"/>
-          </p:nvPr>
-        </p:nvSpPr>
-        <p:spPr>
-          <a:xfrm>
-            <a:off x="311700" y="1152475"/>
-            <a:ext cx="8520600" cy="3416400"/>
-          </a:xfrm>
-          <a:prstGeom prst="rect">
-            <a:avLst/>
-          </a:prstGeom>
-          <a:noFill/>
-          <a:ln>
-            <a:noFill/>
-          </a:ln>
-        </p:spPr>
-        <p:txBody>
-          <a:bodyPr spcFirstLastPara="1" wrap="square" lIns="91425" tIns="91425" rIns="91425" bIns="91425" anchor="t" anchorCtr="0">
-            <a:normAutofit/>
-          </a:bodyPr>
-          <a:lstStyle/>
-          <a:p>
-            <a:pPr marL="0" lvl="0" indent="0" algn="l" rtl="0">
-              <a:lnSpc>
-                <a:spcPct val="115000"/>
-              </a:lnSpc>
-              <a:spcBef>
-                <a:spcPts val="1400"/>
-              </a:spcBef>
-              <a:spcAft>
-                <a:spcPts val="1400"/>
-              </a:spcAft>
-              <a:buSzPts val="1800"/>
-              <a:buNone/>
-            </a:pPr>
-            <a:r>
-              <a:rPr lang="pt-BR">
-                <a:solidFill>
-                  <a:schemeClr val="dk1"/>
-                </a:solidFill>
-              </a:rPr>
-              <a:t>De maneira mais simples, DevOps é uma prática organizacional, um modelo de trabalho, uma cultura corporativa para aprimorar a entrega contínua de produtos digitais com ganhos de produtividade.</a:t>
-            </a:r>
-            <a:endParaRPr/>
-          </a:p>
-        </p:txBody>
-      </p:sp>
-    </p:spTree>
-  </p:cSld>
-  <p:clrMapOvr>
-    <a:masterClrMapping/>
-  </p:clrMapOvr>
-</p:sld>
-</file>
-
-<file path=ppt/slides/slide4.xml><?xml version="1.0" encoding="utf-8"?>
 <p:sld xmlns:a="http://schemas.openxmlformats.org/drawingml/2006/main" xmlns:r="http://schemas.openxmlformats.org/officeDocument/2006/relationships" xmlns:p="http://schemas.openxmlformats.org/presentationml/2006/main">
   <p:cSld>
     <p:spTree>
@@ -13999,7 +12811,7 @@
         </p:spPr>
         <p:txBody>
           <a:bodyPr spcFirstLastPara="1" wrap="square" lIns="91425" tIns="91425" rIns="91425" bIns="91425" anchor="t" anchorCtr="0">
-            <a:normAutofit lnSpcReduction="10000"/>
+            <a:normAutofit fontScale="92500" lnSpcReduction="10000"/>
           </a:bodyPr>
           <a:lstStyle/>
           <a:p>
@@ -14017,14 +12829,46 @@
               <a:buNone/>
             </a:pPr>
             <a:r>
-              <a:rPr lang="pt-BR">
+              <a:rPr lang="pt-BR" dirty="0">
                 <a:solidFill>
                   <a:schemeClr val="dk1"/>
                 </a:solidFill>
               </a:rPr>
-              <a:t>Para isso, o DevOps utiliza workflows aprimorados e automação. Veja quais são os 7 passos da cultura DevOps:</a:t>
+              <a:t>Para isso, o </a:t>
             </a:r>
-            <a:endParaRPr>
+            <a:r>
+              <a:rPr lang="pt-BR" dirty="0" err="1">
+                <a:solidFill>
+                  <a:schemeClr val="dk1"/>
+                </a:solidFill>
+              </a:rPr>
+              <a:t>DevOps</a:t>
+            </a:r>
+            <a:r>
+              <a:rPr lang="pt-BR" dirty="0">
+                <a:solidFill>
+                  <a:schemeClr val="dk1"/>
+                </a:solidFill>
+              </a:rPr>
+              <a:t> utiliza workflows aprimorados e automação. Veja quais são os 7 passos da cultura </a:t>
+            </a:r>
+            <a:r>
+              <a:rPr lang="pt-BR" dirty="0" err="1">
+                <a:solidFill>
+                  <a:schemeClr val="dk1"/>
+                </a:solidFill>
+              </a:rPr>
+              <a:t>DevOps</a:t>
+            </a:r>
+            <a:r>
+              <a:rPr lang="pt-BR" dirty="0">
+                <a:solidFill>
+                  <a:schemeClr val="dk1"/>
+                </a:solidFill>
+              </a:rPr>
+              <a:t> embora não é uma listagem oficial:</a:t>
+            </a:r>
+            <a:endParaRPr dirty="0">
               <a:solidFill>
                 <a:schemeClr val="dk1"/>
               </a:solidFill>
@@ -14048,14 +12892,14 @@
               <a:buNone/>
             </a:pPr>
             <a:r>
-              <a:rPr lang="pt-BR">
+              <a:rPr lang="pt-BR" dirty="0">
                 <a:solidFill>
                   <a:schemeClr val="dk1"/>
                 </a:solidFill>
               </a:rPr>
               <a:t>Construir;</a:t>
             </a:r>
-            <a:endParaRPr>
+            <a:endParaRPr dirty="0">
               <a:solidFill>
                 <a:schemeClr val="dk1"/>
               </a:solidFill>
@@ -14079,14 +12923,14 @@
               <a:buNone/>
             </a:pPr>
             <a:r>
-              <a:rPr lang="pt-BR">
+              <a:rPr lang="pt-BR" dirty="0">
                 <a:solidFill>
                   <a:schemeClr val="dk1"/>
                 </a:solidFill>
               </a:rPr>
               <a:t>Testar;</a:t>
             </a:r>
-            <a:endParaRPr>
+            <a:endParaRPr dirty="0">
               <a:solidFill>
                 <a:schemeClr val="dk1"/>
               </a:solidFill>
@@ -14110,14 +12954,14 @@
               <a:buNone/>
             </a:pPr>
             <a:r>
-              <a:rPr lang="pt-BR">
+              <a:rPr lang="pt-BR" dirty="0">
                 <a:solidFill>
                   <a:schemeClr val="dk1"/>
                 </a:solidFill>
               </a:rPr>
               <a:t>Empacotar;</a:t>
             </a:r>
-            <a:endParaRPr>
+            <a:endParaRPr dirty="0">
               <a:solidFill>
                 <a:schemeClr val="dk1"/>
               </a:solidFill>
@@ -14141,14 +12985,14 @@
               <a:buNone/>
             </a:pPr>
             <a:r>
-              <a:rPr lang="pt-BR">
+              <a:rPr lang="pt-BR" dirty="0">
                 <a:solidFill>
                   <a:schemeClr val="dk1"/>
                 </a:solidFill>
               </a:rPr>
               <a:t>Provisionar;</a:t>
             </a:r>
-            <a:endParaRPr>
+            <a:endParaRPr dirty="0">
               <a:solidFill>
                 <a:schemeClr val="dk1"/>
               </a:solidFill>
@@ -14172,14 +13016,14 @@
               <a:buNone/>
             </a:pPr>
             <a:r>
-              <a:rPr lang="pt-BR">
+              <a:rPr lang="pt-BR" dirty="0">
                 <a:solidFill>
                   <a:schemeClr val="dk1"/>
                 </a:solidFill>
               </a:rPr>
               <a:t>Cuidar da segurança;</a:t>
             </a:r>
-            <a:endParaRPr>
+            <a:endParaRPr dirty="0">
               <a:solidFill>
                 <a:schemeClr val="dk1"/>
               </a:solidFill>
@@ -14203,14 +13047,30 @@
               <a:buNone/>
             </a:pPr>
             <a:r>
-              <a:rPr lang="pt-BR">
+              <a:rPr lang="pt-BR" dirty="0">
                 <a:solidFill>
                   <a:schemeClr val="dk1"/>
                 </a:solidFill>
               </a:rPr>
-              <a:t>Fazer o deploy;</a:t>
+              <a:t>Fazer o </a:t>
             </a:r>
-            <a:endParaRPr>
+            <a:r>
+              <a:rPr lang="pt-BR" dirty="0" err="1">
+                <a:solidFill>
+                  <a:schemeClr val="dk1"/>
+                </a:solidFill>
+              </a:rPr>
+              <a:t>deploy</a:t>
+            </a:r>
+            <a:r>
+              <a:rPr lang="pt-BR" dirty="0">
+                <a:solidFill>
+                  <a:schemeClr val="dk1"/>
+                </a:solidFill>
+              </a:rPr>
+              <a:t>;</a:t>
+            </a:r>
+            <a:endParaRPr dirty="0">
               <a:solidFill>
                 <a:schemeClr val="dk1"/>
               </a:solidFill>
@@ -14234,14 +13094,14 @@
               <a:buNone/>
             </a:pPr>
             <a:r>
-              <a:rPr lang="pt-BR">
+              <a:rPr lang="pt-BR" dirty="0">
                 <a:solidFill>
                   <a:schemeClr val="dk1"/>
                 </a:solidFill>
               </a:rPr>
               <a:t>Monitorar.</a:t>
             </a:r>
-            <a:endParaRPr/>
+            <a:endParaRPr dirty="0"/>
           </a:p>
         </p:txBody>
       </p:sp>
@@ -14253,7 +13113,7 @@
 </p:sld>
 </file>
 
-<file path=ppt/slides/slide5.xml><?xml version="1.0" encoding="utf-8"?>
+<file path=ppt/slides/slide4.xml><?xml version="1.0" encoding="utf-8"?>
 <p:sld xmlns:a="http://schemas.openxmlformats.org/drawingml/2006/main" xmlns:r="http://schemas.openxmlformats.org/officeDocument/2006/relationships" xmlns:p="http://schemas.openxmlformats.org/presentationml/2006/main">
   <p:cSld>
     <p:spTree>
@@ -14363,14 +13223,30 @@
               <a:buNone/>
             </a:pPr>
             <a:r>
-              <a:rPr lang="pt-BR">
+              <a:rPr lang="pt-BR" dirty="0">
                 <a:solidFill>
                   <a:schemeClr val="dk1"/>
                 </a:solidFill>
               </a:rPr>
-              <a:t>Quando o DevOps é implementado em uma empresa de tecnologia, como uma startup, os produtos ficam melhores e com mais agilidade.</a:t>
+              <a:t>Quando o </a:t>
             </a:r>
-            <a:endParaRPr/>
+            <a:r>
+              <a:rPr lang="pt-BR" dirty="0" err="1">
+                <a:solidFill>
+                  <a:schemeClr val="dk1"/>
+                </a:solidFill>
+              </a:rPr>
+              <a:t>DevOps</a:t>
+            </a:r>
+            <a:r>
+              <a:rPr lang="pt-BR" dirty="0">
+                <a:solidFill>
+                  <a:schemeClr val="dk1"/>
+                </a:solidFill>
+              </a:rPr>
+              <a:t> é implementado em uma empresa de tecnologia, como uma startup, os produtos ficam melhores e com mais agilidade.</a:t>
+            </a:r>
+            <a:endParaRPr dirty="0"/>
           </a:p>
         </p:txBody>
       </p:sp>
@@ -14382,7 +13258,7 @@
 </p:sld>
 </file>
 
-<file path=ppt/slides/slide6.xml><?xml version="1.0" encoding="utf-8"?>
+<file path=ppt/slides/slide5.xml><?xml version="1.0" encoding="utf-8"?>
 <p:sld xmlns:a="http://schemas.openxmlformats.org/drawingml/2006/main" xmlns:r="http://schemas.openxmlformats.org/officeDocument/2006/relationships" xmlns:p="http://schemas.openxmlformats.org/presentationml/2006/main">
   <p:cSld>
     <p:spTree>
@@ -14690,7 +13566,7 @@
 </p:sld>
 </file>
 
-<file path=ppt/slides/slide7.xml><?xml version="1.0" encoding="utf-8"?>
+<file path=ppt/slides/slide6.xml><?xml version="1.0" encoding="utf-8"?>
 <p:sld xmlns:a="http://schemas.openxmlformats.org/drawingml/2006/main" xmlns:r="http://schemas.openxmlformats.org/officeDocument/2006/relationships" xmlns:p="http://schemas.openxmlformats.org/presentationml/2006/main">
   <p:cSld>
     <p:spTree>
@@ -14875,7 +13751,7 @@
 </p:sld>
 </file>
 
-<file path=ppt/slides/slide8.xml><?xml version="1.0" encoding="utf-8"?>
+<file path=ppt/slides/slide7.xml><?xml version="1.0" encoding="utf-8"?>
 <p:sld xmlns:a="http://schemas.openxmlformats.org/drawingml/2006/main" xmlns:r="http://schemas.openxmlformats.org/officeDocument/2006/relationships" xmlns:p="http://schemas.openxmlformats.org/presentationml/2006/main">
   <p:cSld>
     <p:spTree>
@@ -15016,7 +13892,7 @@
 </p:sld>
 </file>
 
-<file path=ppt/slides/slide9.xml><?xml version="1.0" encoding="utf-8"?>
+<file path=ppt/slides/slide8.xml><?xml version="1.0" encoding="utf-8"?>
 <p:sld xmlns:a="http://schemas.openxmlformats.org/drawingml/2006/main" xmlns:r="http://schemas.openxmlformats.org/officeDocument/2006/relationships" xmlns:p="http://schemas.openxmlformats.org/presentationml/2006/main">
   <p:cSld>
     <p:spTree>
@@ -15122,14 +13998,14 @@
               <a:buNone/>
             </a:pPr>
             <a:r>
-              <a:rPr lang="pt-BR" sz="1550">
+              <a:rPr lang="pt-BR" sz="1550" dirty="0">
                 <a:solidFill>
                   <a:schemeClr val="dk1"/>
                 </a:solidFill>
               </a:rPr>
               <a:t>No ambiente de trabalho, os benefícios são imensos, pois evita que os projetos atrasem e garante mais produtividade e proatividade para todos/as os/as envolvidos/as, além de proporcionar também: </a:t>
             </a:r>
-            <a:endParaRPr sz="1550">
+            <a:endParaRPr sz="1550" dirty="0">
               <a:solidFill>
                 <a:schemeClr val="dk1"/>
               </a:solidFill>
@@ -15153,14 +14029,14 @@
               <a:buNone/>
             </a:pPr>
             <a:r>
-              <a:rPr lang="pt-BR" sz="1550">
+              <a:rPr lang="pt-BR" sz="1550" dirty="0">
                 <a:solidFill>
                   <a:schemeClr val="dk1"/>
                 </a:solidFill>
               </a:rPr>
               <a:t>Mudanças culturais focadas no produto;</a:t>
             </a:r>
-            <a:endParaRPr sz="1550">
+            <a:endParaRPr sz="1550" dirty="0">
               <a:solidFill>
                 <a:schemeClr val="dk1"/>
               </a:solidFill>
@@ -15184,14 +14060,14 @@
               <a:buNone/>
             </a:pPr>
             <a:r>
-              <a:rPr lang="pt-BR" sz="1550">
+              <a:rPr lang="pt-BR" sz="1550" dirty="0">
                 <a:solidFill>
                   <a:schemeClr val="dk1"/>
                 </a:solidFill>
               </a:rPr>
               <a:t>Construção automatizada;</a:t>
             </a:r>
-            <a:endParaRPr sz="1550">
+            <a:endParaRPr sz="1550" dirty="0">
               <a:solidFill>
                 <a:schemeClr val="dk1"/>
               </a:solidFill>
@@ -15215,14 +14091,14 @@
               <a:buNone/>
             </a:pPr>
             <a:r>
-              <a:rPr lang="pt-BR" sz="1550">
+              <a:rPr lang="pt-BR" sz="1550" dirty="0">
                 <a:solidFill>
                   <a:schemeClr val="dk1"/>
                 </a:solidFill>
               </a:rPr>
               <a:t>Equipes multifuncionais;</a:t>
             </a:r>
-            <a:endParaRPr sz="1550">
+            <a:endParaRPr sz="1550" dirty="0">
               <a:solidFill>
                 <a:schemeClr val="dk1"/>
               </a:solidFill>
@@ -15246,14 +14122,14 @@
               <a:buNone/>
             </a:pPr>
             <a:r>
-              <a:rPr lang="pt-BR" sz="1550">
+              <a:rPr lang="pt-BR" sz="1550" dirty="0">
                 <a:solidFill>
                   <a:schemeClr val="dk1"/>
                 </a:solidFill>
               </a:rPr>
               <a:t>Entrega contínua;</a:t>
             </a:r>
-            <a:endParaRPr sz="1550">
+            <a:endParaRPr sz="1550" dirty="0">
               <a:solidFill>
                 <a:schemeClr val="dk1"/>
               </a:solidFill>
@@ -15277,14 +14153,14 @@
               <a:buNone/>
             </a:pPr>
             <a:r>
-              <a:rPr lang="pt-BR" sz="1550">
+              <a:rPr lang="pt-BR" sz="1550" dirty="0">
                 <a:solidFill>
                   <a:schemeClr val="dk1"/>
                 </a:solidFill>
               </a:rPr>
               <a:t>Pessoas felizes com o set de ferramentas de programação;</a:t>
             </a:r>
-            <a:endParaRPr sz="1550">
+            <a:endParaRPr sz="1550" dirty="0">
               <a:solidFill>
                 <a:schemeClr val="dk1"/>
               </a:solidFill>
@@ -15308,14 +14184,14 @@
               <a:buNone/>
             </a:pPr>
             <a:r>
-              <a:rPr lang="pt-BR" sz="1550">
+              <a:rPr lang="pt-BR" sz="1550" dirty="0">
                 <a:solidFill>
                   <a:schemeClr val="dk1"/>
                 </a:solidFill>
               </a:rPr>
               <a:t>Testes de implantação que melhoram os resultados;</a:t>
             </a:r>
-            <a:endParaRPr sz="1550">
+            <a:endParaRPr sz="1550" dirty="0">
               <a:solidFill>
                 <a:schemeClr val="dk1"/>
               </a:solidFill>
@@ -15339,12 +14215,193 @@
               <a:buNone/>
             </a:pPr>
             <a:r>
-              <a:rPr lang="pt-BR" sz="1550">
+              <a:rPr lang="pt-BR" sz="1550" dirty="0">
                 <a:solidFill>
                   <a:schemeClr val="dk1"/>
                 </a:solidFill>
               </a:rPr>
               <a:t>Um time realmente voltado para o objetivo dos negócios.</a:t>
+            </a:r>
+            <a:endParaRPr dirty="0"/>
+          </a:p>
+        </p:txBody>
+      </p:sp>
+    </p:spTree>
+  </p:cSld>
+  <p:clrMapOvr>
+    <a:masterClrMapping/>
+  </p:clrMapOvr>
+</p:sld>
+</file>
+
+<file path=ppt/slides/slide9.xml><?xml version="1.0" encoding="utf-8"?>
+<p:sld xmlns:a="http://schemas.openxmlformats.org/drawingml/2006/main" xmlns:r="http://schemas.openxmlformats.org/officeDocument/2006/relationships" xmlns:p="http://schemas.openxmlformats.org/presentationml/2006/main">
+  <p:cSld>
+    <p:spTree>
+      <p:nvGrpSpPr>
+        <p:cNvPr id="1" name="Shape 107"/>
+        <p:cNvGrpSpPr/>
+        <p:nvPr/>
+      </p:nvGrpSpPr>
+      <p:grpSpPr>
+        <a:xfrm>
+          <a:off x="0" y="0"/>
+          <a:ext cx="0" cy="0"/>
+          <a:chOff x="0" y="0"/>
+          <a:chExt cx="0" cy="0"/>
+        </a:xfrm>
+      </p:grpSpPr>
+      <p:sp>
+        <p:nvSpPr>
+          <p:cNvPr id="108" name="Google Shape;108;p10"/>
+          <p:cNvSpPr txBox="1">
+            <a:spLocks noGrp="1"/>
+          </p:cNvSpPr>
+          <p:nvPr>
+            <p:ph type="title"/>
+          </p:nvPr>
+        </p:nvSpPr>
+        <p:spPr>
+          <a:xfrm>
+            <a:off x="311700" y="445025"/>
+            <a:ext cx="8520600" cy="572700"/>
+          </a:xfrm>
+          <a:prstGeom prst="rect">
+            <a:avLst/>
+          </a:prstGeom>
+          <a:noFill/>
+          <a:ln>
+            <a:noFill/>
+          </a:ln>
+        </p:spPr>
+        <p:txBody>
+          <a:bodyPr spcFirstLastPara="1" wrap="square" lIns="91425" tIns="91425" rIns="91425" bIns="91425" anchor="t" anchorCtr="0">
+            <a:normAutofit fontScale="90000"/>
+          </a:bodyPr>
+          <a:lstStyle/>
+          <a:p>
+            <a:pPr marL="0" lvl="0" indent="0" algn="l" rtl="0">
+              <a:lnSpc>
+                <a:spcPct val="100000"/>
+              </a:lnSpc>
+              <a:spcBef>
+                <a:spcPts val="0"/>
+              </a:spcBef>
+              <a:spcAft>
+                <a:spcPts val="0"/>
+              </a:spcAft>
+              <a:buSzPct val="111111"/>
+              <a:buNone/>
+            </a:pPr>
+            <a:endParaRPr/>
+          </a:p>
+        </p:txBody>
+      </p:sp>
+      <p:sp>
+        <p:nvSpPr>
+          <p:cNvPr id="109" name="Google Shape;109;p10"/>
+          <p:cNvSpPr txBox="1">
+            <a:spLocks noGrp="1"/>
+          </p:cNvSpPr>
+          <p:nvPr>
+            <p:ph type="body" idx="1"/>
+          </p:nvPr>
+        </p:nvSpPr>
+        <p:spPr>
+          <a:xfrm>
+            <a:off x="311700" y="1152475"/>
+            <a:ext cx="8520600" cy="3416400"/>
+          </a:xfrm>
+          <a:prstGeom prst="rect">
+            <a:avLst/>
+          </a:prstGeom>
+          <a:noFill/>
+          <a:ln>
+            <a:noFill/>
+          </a:ln>
+        </p:spPr>
+        <p:txBody>
+          <a:bodyPr spcFirstLastPara="1" wrap="square" lIns="91425" tIns="91425" rIns="91425" bIns="91425" anchor="t" anchorCtr="0">
+            <a:normAutofit/>
+          </a:bodyPr>
+          <a:lstStyle/>
+          <a:p>
+            <a:pPr marL="0" lvl="0" indent="0" algn="l" rtl="0">
+              <a:lnSpc>
+                <a:spcPct val="115000"/>
+              </a:lnSpc>
+              <a:spcBef>
+                <a:spcPts val="1400"/>
+              </a:spcBef>
+              <a:spcAft>
+                <a:spcPts val="0"/>
+              </a:spcAft>
+              <a:buSzPts val="1800"/>
+              <a:buNone/>
+            </a:pPr>
+            <a:r>
+              <a:rPr lang="pt-BR">
+                <a:solidFill>
+                  <a:schemeClr val="dk1"/>
+                </a:solidFill>
+              </a:rPr>
+              <a:t>O DevOps busca a otimização do tempo, usando automação, inovações e muita tecnologia para automatizar processos.</a:t>
+            </a:r>
+            <a:endParaRPr>
+              <a:solidFill>
+                <a:schemeClr val="dk1"/>
+              </a:solidFill>
+            </a:endParaRPr>
+          </a:p>
+          <a:p>
+            <a:pPr marL="0" lvl="0" indent="0" algn="l" rtl="0">
+              <a:lnSpc>
+                <a:spcPct val="115000"/>
+              </a:lnSpc>
+              <a:spcBef>
+                <a:spcPts val="1400"/>
+              </a:spcBef>
+              <a:spcAft>
+                <a:spcPts val="0"/>
+              </a:spcAft>
+              <a:buSzPts val="1800"/>
+              <a:buNone/>
+            </a:pPr>
+            <a:r>
+              <a:rPr lang="pt-BR">
+                <a:solidFill>
+                  <a:schemeClr val="dk1"/>
+                </a:solidFill>
+              </a:rPr>
+              <a:t>Com o uso das ferramentas adequadas, uma equipe de DevOps pode manejar diversos projetos ao mesmo tempo, sem perder a qualidade.</a:t>
+            </a:r>
+            <a:endParaRPr>
+              <a:solidFill>
+                <a:schemeClr val="dk1"/>
+              </a:solidFill>
+            </a:endParaRPr>
+          </a:p>
+          <a:p>
+            <a:pPr marL="0" lvl="0" indent="0" algn="l" rtl="0">
+              <a:lnSpc>
+                <a:spcPct val="115000"/>
+              </a:lnSpc>
+              <a:spcBef>
+                <a:spcPts val="1400"/>
+              </a:spcBef>
+              <a:spcAft>
+                <a:spcPts val="1400"/>
+              </a:spcAft>
+              <a:buSzPts val="1800"/>
+              <a:buNone/>
+            </a:pPr>
+            <a:r>
+              <a:rPr lang="pt-BR">
+                <a:solidFill>
+                  <a:schemeClr val="dk1"/>
+                </a:solidFill>
+              </a:rPr>
+              <a:t>Outra vantagem do DevOps é que ele é voltado para implementações escalonáveis, sendo essencial para empresas que querem crescer mais rapidamente.</a:t>
             </a:r>
             <a:endParaRPr/>
           </a:p>
